--- a/Prepoznavanje ročno zapisanih števk.pptx
+++ b/Prepoznavanje ročno zapisanih števk.pptx
@@ -108,6 +108,11 @@
       </a:defRPr>
     </a:lvl9pPr>
   </p:defaultTextStyle>
+  <p:extLst>
+    <p:ext uri="{EFAFB233-063F-42B5-8137-9DF3F51BA10A}">
+      <p15:sldGuideLst xmlns:p15="http://schemas.microsoft.com/office/powerpoint/2012/main"/>
+    </p:ext>
+  </p:extLst>
 </p:presentation>
 </file>
 
@@ -161,7 +166,7 @@
           <a:noFill/>
           <a:extLst>
             <a:ext uri="{909E8E84-426E-40dd-AFC4-6F175D3DCCD1}">
-              <a14:hiddenFill xmlns:a14="http://schemas.microsoft.com/office/drawing/2010/main" xmlns="">
+              <a14:hiddenFill xmlns="" xmlns:a14="http://schemas.microsoft.com/office/drawing/2010/main">
                 <a:solidFill>
                   <a:srgbClr val="FFFFFF"/>
                 </a:solidFill>
@@ -221,7 +226,7 @@
             </a:ln>
             <a:extLst>
               <a:ext uri="{91240B29-F687-4f45-9708-019B960494DF}">
-                <a14:hiddenLine xmlns:a14="http://schemas.microsoft.com/office/drawing/2010/main" xmlns="" w="9525">
+                <a14:hiddenLine xmlns="" xmlns:a14="http://schemas.microsoft.com/office/drawing/2010/main" w="9525">
                   <a:solidFill>
                     <a:srgbClr val="000000"/>
                   </a:solidFill>
@@ -311,7 +316,7 @@
             </a:ln>
             <a:extLst>
               <a:ext uri="{91240B29-F687-4f45-9708-019B960494DF}">
-                <a14:hiddenLine xmlns:a14="http://schemas.microsoft.com/office/drawing/2010/main" xmlns="" w="9525">
+                <a14:hiddenLine xmlns="" xmlns:a14="http://schemas.microsoft.com/office/drawing/2010/main" w="9525">
                   <a:solidFill>
                     <a:srgbClr val="000000"/>
                   </a:solidFill>
@@ -401,7 +406,7 @@
             </a:ln>
             <a:extLst>
               <a:ext uri="{91240B29-F687-4f45-9708-019B960494DF}">
-                <a14:hiddenLine xmlns:a14="http://schemas.microsoft.com/office/drawing/2010/main" xmlns="" w="9525">
+                <a14:hiddenLine xmlns="" xmlns:a14="http://schemas.microsoft.com/office/drawing/2010/main" w="9525">
                   <a:solidFill>
                     <a:srgbClr val="000000"/>
                   </a:solidFill>
@@ -435,7 +440,7 @@
             </a:ln>
             <a:extLst>
               <a:ext uri="{91240B29-F687-4f45-9708-019B960494DF}">
-                <a14:hiddenLine xmlns:a14="http://schemas.microsoft.com/office/drawing/2010/main" xmlns="" w="9525">
+                <a14:hiddenLine xmlns="" xmlns:a14="http://schemas.microsoft.com/office/drawing/2010/main" w="9525">
                   <a:solidFill>
                     <a:srgbClr val="000000"/>
                   </a:solidFill>
@@ -525,7 +530,7 @@
             </a:ln>
             <a:extLst>
               <a:ext uri="{91240B29-F687-4f45-9708-019B960494DF}">
-                <a14:hiddenLine xmlns:a14="http://schemas.microsoft.com/office/drawing/2010/main" xmlns="" w="9525">
+                <a14:hiddenLine xmlns="" xmlns:a14="http://schemas.microsoft.com/office/drawing/2010/main" w="9525">
                   <a:solidFill>
                     <a:srgbClr val="000000"/>
                   </a:solidFill>
@@ -587,7 +592,7 @@
             </a:ln>
             <a:extLst>
               <a:ext uri="{91240B29-F687-4f45-9708-019B960494DF}">
-                <a14:hiddenLine xmlns:a14="http://schemas.microsoft.com/office/drawing/2010/main" xmlns="" w="9525">
+                <a14:hiddenLine xmlns="" xmlns:a14="http://schemas.microsoft.com/office/drawing/2010/main" w="9525">
                   <a:solidFill>
                     <a:srgbClr val="000000"/>
                   </a:solidFill>
@@ -649,7 +654,7 @@
             </a:ln>
             <a:extLst>
               <a:ext uri="{91240B29-F687-4f45-9708-019B960494DF}">
-                <a14:hiddenLine xmlns:a14="http://schemas.microsoft.com/office/drawing/2010/main" xmlns="" w="9525">
+                <a14:hiddenLine xmlns="" xmlns:a14="http://schemas.microsoft.com/office/drawing/2010/main" w="9525">
                   <a:solidFill>
                     <a:srgbClr val="000000"/>
                   </a:solidFill>
@@ -739,7 +744,7 @@
             </a:ln>
             <a:extLst>
               <a:ext uri="{91240B29-F687-4f45-9708-019B960494DF}">
-                <a14:hiddenLine xmlns:a14="http://schemas.microsoft.com/office/drawing/2010/main" xmlns="" w="9525">
+                <a14:hiddenLine xmlns="" xmlns:a14="http://schemas.microsoft.com/office/drawing/2010/main" w="9525">
                   <a:solidFill>
                     <a:srgbClr val="000000"/>
                   </a:solidFill>
@@ -801,7 +806,7 @@
             </a:ln>
             <a:extLst>
               <a:ext uri="{91240B29-F687-4f45-9708-019B960494DF}">
-                <a14:hiddenLine xmlns:a14="http://schemas.microsoft.com/office/drawing/2010/main" xmlns="" w="9525">
+                <a14:hiddenLine xmlns="" xmlns:a14="http://schemas.microsoft.com/office/drawing/2010/main" w="9525">
                   <a:solidFill>
                     <a:srgbClr val="000000"/>
                   </a:solidFill>
@@ -863,7 +868,7 @@
             </a:ln>
             <a:extLst>
               <a:ext uri="{91240B29-F687-4f45-9708-019B960494DF}">
-                <a14:hiddenLine xmlns:a14="http://schemas.microsoft.com/office/drawing/2010/main" xmlns="" w="9525">
+                <a14:hiddenLine xmlns="" xmlns:a14="http://schemas.microsoft.com/office/drawing/2010/main" w="9525">
                   <a:solidFill>
                     <a:srgbClr val="000000"/>
                   </a:solidFill>
@@ -953,7 +958,7 @@
             </a:ln>
             <a:extLst>
               <a:ext uri="{91240B29-F687-4f45-9708-019B960494DF}">
-                <a14:hiddenLine xmlns:a14="http://schemas.microsoft.com/office/drawing/2010/main" xmlns="" w="9525">
+                <a14:hiddenLine xmlns="" xmlns:a14="http://schemas.microsoft.com/office/drawing/2010/main" w="9525">
                   <a:solidFill>
                     <a:srgbClr val="000000"/>
                   </a:solidFill>
@@ -1043,7 +1048,7 @@
             </a:ln>
             <a:extLst>
               <a:ext uri="{91240B29-F687-4f45-9708-019B960494DF}">
-                <a14:hiddenLine xmlns:a14="http://schemas.microsoft.com/office/drawing/2010/main" xmlns="" w="9525">
+                <a14:hiddenLine xmlns="" xmlns:a14="http://schemas.microsoft.com/office/drawing/2010/main" w="9525">
                   <a:solidFill>
                     <a:srgbClr val="000000"/>
                   </a:solidFill>
@@ -1105,7 +1110,7 @@
             </a:ln>
             <a:extLst>
               <a:ext uri="{91240B29-F687-4f45-9708-019B960494DF}">
-                <a14:hiddenLine xmlns:a14="http://schemas.microsoft.com/office/drawing/2010/main" xmlns="" w="9525">
+                <a14:hiddenLine xmlns="" xmlns:a14="http://schemas.microsoft.com/office/drawing/2010/main" w="9525">
                   <a:solidFill>
                     <a:srgbClr val="000000"/>
                   </a:solidFill>
@@ -1215,7 +1220,7 @@
             </a:ln>
             <a:extLst>
               <a:ext uri="{91240B29-F687-4f45-9708-019B960494DF}">
-                <a14:hiddenLine xmlns:a14="http://schemas.microsoft.com/office/drawing/2010/main" xmlns="" w="9525">
+                <a14:hiddenLine xmlns="" xmlns:a14="http://schemas.microsoft.com/office/drawing/2010/main" w="9525">
                   <a:solidFill>
                     <a:srgbClr val="000000"/>
                   </a:solidFill>
@@ -1277,7 +1282,7 @@
             </a:ln>
             <a:extLst>
               <a:ext uri="{91240B29-F687-4f45-9708-019B960494DF}">
-                <a14:hiddenLine xmlns:a14="http://schemas.microsoft.com/office/drawing/2010/main" xmlns="" w="9525">
+                <a14:hiddenLine xmlns="" xmlns:a14="http://schemas.microsoft.com/office/drawing/2010/main" w="9525">
                   <a:solidFill>
                     <a:srgbClr val="000000"/>
                   </a:solidFill>
@@ -1367,7 +1372,7 @@
             </a:ln>
             <a:extLst>
               <a:ext uri="{91240B29-F687-4f45-9708-019B960494DF}">
-                <a14:hiddenLine xmlns:a14="http://schemas.microsoft.com/office/drawing/2010/main" xmlns="" w="9525">
+                <a14:hiddenLine xmlns="" xmlns:a14="http://schemas.microsoft.com/office/drawing/2010/main" w="9525">
                   <a:solidFill>
                     <a:srgbClr val="000000"/>
                   </a:solidFill>
@@ -1457,7 +1462,7 @@
             </a:ln>
             <a:extLst>
               <a:ext uri="{91240B29-F687-4f45-9708-019B960494DF}">
-                <a14:hiddenLine xmlns:a14="http://schemas.microsoft.com/office/drawing/2010/main" xmlns="" w="9525">
+                <a14:hiddenLine xmlns="" xmlns:a14="http://schemas.microsoft.com/office/drawing/2010/main" w="9525">
                   <a:solidFill>
                     <a:srgbClr val="000000"/>
                   </a:solidFill>
@@ -1519,7 +1524,7 @@
             </a:ln>
             <a:extLst>
               <a:ext uri="{91240B29-F687-4f45-9708-019B960494DF}">
-                <a14:hiddenLine xmlns:a14="http://schemas.microsoft.com/office/drawing/2010/main" xmlns="" w="9525">
+                <a14:hiddenLine xmlns="" xmlns:a14="http://schemas.microsoft.com/office/drawing/2010/main" w="9525">
                   <a:solidFill>
                     <a:srgbClr val="000000"/>
                   </a:solidFill>
@@ -1609,7 +1614,7 @@
             </a:ln>
             <a:extLst>
               <a:ext uri="{91240B29-F687-4f45-9708-019B960494DF}">
-                <a14:hiddenLine xmlns:a14="http://schemas.microsoft.com/office/drawing/2010/main" xmlns="" w="9525">
+                <a14:hiddenLine xmlns="" xmlns:a14="http://schemas.microsoft.com/office/drawing/2010/main" w="9525">
                   <a:solidFill>
                     <a:srgbClr val="000000"/>
                   </a:solidFill>
@@ -1699,7 +1704,7 @@
             </a:ln>
             <a:extLst>
               <a:ext uri="{91240B29-F687-4f45-9708-019B960494DF}">
-                <a14:hiddenLine xmlns:a14="http://schemas.microsoft.com/office/drawing/2010/main" xmlns="" w="9525">
+                <a14:hiddenLine xmlns="" xmlns:a14="http://schemas.microsoft.com/office/drawing/2010/main" w="9525">
                   <a:solidFill>
                     <a:srgbClr val="000000"/>
                   </a:solidFill>
@@ -1755,7 +1760,7 @@
             </a:ln>
             <a:extLst>
               <a:ext uri="{91240B29-F687-4f45-9708-019B960494DF}">
-                <a14:hiddenLine xmlns:a14="http://schemas.microsoft.com/office/drawing/2010/main" xmlns="" w="9525">
+                <a14:hiddenLine xmlns="" xmlns:a14="http://schemas.microsoft.com/office/drawing/2010/main" w="9525">
                   <a:solidFill>
                     <a:srgbClr val="000000"/>
                   </a:solidFill>
@@ -1845,7 +1850,7 @@
             </a:ln>
             <a:extLst>
               <a:ext uri="{91240B29-F687-4f45-9708-019B960494DF}">
-                <a14:hiddenLine xmlns:a14="http://schemas.microsoft.com/office/drawing/2010/main" xmlns="" w="9525">
+                <a14:hiddenLine xmlns="" xmlns:a14="http://schemas.microsoft.com/office/drawing/2010/main" w="9525">
                   <a:solidFill>
                     <a:srgbClr val="000000"/>
                   </a:solidFill>
@@ -1901,7 +1906,7 @@
             </a:ln>
             <a:extLst>
               <a:ext uri="{91240B29-F687-4f45-9708-019B960494DF}">
-                <a14:hiddenLine xmlns:a14="http://schemas.microsoft.com/office/drawing/2010/main" xmlns="" w="9525">
+                <a14:hiddenLine xmlns="" xmlns:a14="http://schemas.microsoft.com/office/drawing/2010/main" w="9525">
                   <a:solidFill>
                     <a:srgbClr val="000000"/>
                   </a:solidFill>
@@ -1991,7 +1996,7 @@
             </a:ln>
             <a:extLst>
               <a:ext uri="{91240B29-F687-4f45-9708-019B960494DF}">
-                <a14:hiddenLine xmlns:a14="http://schemas.microsoft.com/office/drawing/2010/main" xmlns="" w="9525">
+                <a14:hiddenLine xmlns="" xmlns:a14="http://schemas.microsoft.com/office/drawing/2010/main" w="9525">
                   <a:solidFill>
                     <a:srgbClr val="000000"/>
                   </a:solidFill>
@@ -2059,7 +2064,7 @@
             </a:ln>
             <a:extLst>
               <a:ext uri="{91240B29-F687-4f45-9708-019B960494DF}">
-                <a14:hiddenLine xmlns:a14="http://schemas.microsoft.com/office/drawing/2010/main" xmlns="" w="9525">
+                <a14:hiddenLine xmlns="" xmlns:a14="http://schemas.microsoft.com/office/drawing/2010/main" w="9525">
                   <a:solidFill>
                     <a:srgbClr val="000000"/>
                   </a:solidFill>
@@ -2149,7 +2154,7 @@
             </a:ln>
             <a:extLst>
               <a:ext uri="{91240B29-F687-4f45-9708-019B960494DF}">
-                <a14:hiddenLine xmlns:a14="http://schemas.microsoft.com/office/drawing/2010/main" xmlns="" w="9525">
+                <a14:hiddenLine xmlns="" xmlns:a14="http://schemas.microsoft.com/office/drawing/2010/main" w="9525">
                   <a:solidFill>
                     <a:srgbClr val="000000"/>
                   </a:solidFill>
@@ -2217,7 +2222,7 @@
             </a:ln>
             <a:extLst>
               <a:ext uri="{91240B29-F687-4f45-9708-019B960494DF}">
-                <a14:hiddenLine xmlns:a14="http://schemas.microsoft.com/office/drawing/2010/main" xmlns="" w="9525">
+                <a14:hiddenLine xmlns="" xmlns:a14="http://schemas.microsoft.com/office/drawing/2010/main" w="9525">
                   <a:solidFill>
                     <a:srgbClr val="000000"/>
                   </a:solidFill>
@@ -2307,7 +2312,7 @@
             </a:ln>
             <a:extLst>
               <a:ext uri="{91240B29-F687-4f45-9708-019B960494DF}">
-                <a14:hiddenLine xmlns:a14="http://schemas.microsoft.com/office/drawing/2010/main" xmlns="" w="9525">
+                <a14:hiddenLine xmlns="" xmlns:a14="http://schemas.microsoft.com/office/drawing/2010/main" w="9525">
                   <a:solidFill>
                     <a:srgbClr val="000000"/>
                   </a:solidFill>
@@ -2341,7 +2346,7 @@
             </a:ln>
             <a:extLst>
               <a:ext uri="{91240B29-F687-4f45-9708-019B960494DF}">
-                <a14:hiddenLine xmlns:a14="http://schemas.microsoft.com/office/drawing/2010/main" xmlns="" w="9525">
+                <a14:hiddenLine xmlns="" xmlns:a14="http://schemas.microsoft.com/office/drawing/2010/main" w="9525">
                   <a:solidFill>
                     <a:srgbClr val="000000"/>
                   </a:solidFill>
@@ -2431,7 +2436,7 @@
             </a:ln>
             <a:extLst>
               <a:ext uri="{91240B29-F687-4f45-9708-019B960494DF}">
-                <a14:hiddenLine xmlns:a14="http://schemas.microsoft.com/office/drawing/2010/main" xmlns="" w="9525">
+                <a14:hiddenLine xmlns="" xmlns:a14="http://schemas.microsoft.com/office/drawing/2010/main" w="9525">
                   <a:solidFill>
                     <a:srgbClr val="000000"/>
                   </a:solidFill>
@@ -2493,7 +2498,7 @@
             </a:ln>
             <a:extLst>
               <a:ext uri="{91240B29-F687-4f45-9708-019B960494DF}">
-                <a14:hiddenLine xmlns:a14="http://schemas.microsoft.com/office/drawing/2010/main" xmlns="" w="9525">
+                <a14:hiddenLine xmlns="" xmlns:a14="http://schemas.microsoft.com/office/drawing/2010/main" w="9525">
                   <a:solidFill>
                     <a:srgbClr val="000000"/>
                   </a:solidFill>
@@ -2555,7 +2560,7 @@
             </a:ln>
             <a:extLst>
               <a:ext uri="{91240B29-F687-4f45-9708-019B960494DF}">
-                <a14:hiddenLine xmlns:a14="http://schemas.microsoft.com/office/drawing/2010/main" xmlns="" w="9525">
+                <a14:hiddenLine xmlns="" xmlns:a14="http://schemas.microsoft.com/office/drawing/2010/main" w="9525">
                   <a:solidFill>
                     <a:srgbClr val="000000"/>
                   </a:solidFill>
@@ -2645,7 +2650,7 @@
             </a:ln>
             <a:extLst>
               <a:ext uri="{91240B29-F687-4f45-9708-019B960494DF}">
-                <a14:hiddenLine xmlns:a14="http://schemas.microsoft.com/office/drawing/2010/main" xmlns="" w="9525">
+                <a14:hiddenLine xmlns="" xmlns:a14="http://schemas.microsoft.com/office/drawing/2010/main" w="9525">
                   <a:solidFill>
                     <a:srgbClr val="000000"/>
                   </a:solidFill>
@@ -2713,7 +2718,7 @@
             </a:ln>
             <a:extLst>
               <a:ext uri="{91240B29-F687-4f45-9708-019B960494DF}">
-                <a14:hiddenLine xmlns:a14="http://schemas.microsoft.com/office/drawing/2010/main" xmlns="" w="9525">
+                <a14:hiddenLine xmlns="" xmlns:a14="http://schemas.microsoft.com/office/drawing/2010/main" w="9525">
                   <a:solidFill>
                     <a:srgbClr val="000000"/>
                   </a:solidFill>
@@ -2775,7 +2780,7 @@
             </a:ln>
             <a:extLst>
               <a:ext uri="{91240B29-F687-4f45-9708-019B960494DF}">
-                <a14:hiddenLine xmlns:a14="http://schemas.microsoft.com/office/drawing/2010/main" xmlns="" w="9525">
+                <a14:hiddenLine xmlns="" xmlns:a14="http://schemas.microsoft.com/office/drawing/2010/main" w="9525">
                   <a:solidFill>
                     <a:srgbClr val="000000"/>
                   </a:solidFill>
@@ -2865,7 +2870,7 @@
             </a:ln>
             <a:extLst>
               <a:ext uri="{91240B29-F687-4f45-9708-019B960494DF}">
-                <a14:hiddenLine xmlns:a14="http://schemas.microsoft.com/office/drawing/2010/main" xmlns="" w="9525">
+                <a14:hiddenLine xmlns="" xmlns:a14="http://schemas.microsoft.com/office/drawing/2010/main" w="9525">
                   <a:solidFill>
                     <a:srgbClr val="000000"/>
                   </a:solidFill>
@@ -2927,7 +2932,7 @@
             </a:ln>
             <a:extLst>
               <a:ext uri="{91240B29-F687-4f45-9708-019B960494DF}">
-                <a14:hiddenLine xmlns:a14="http://schemas.microsoft.com/office/drawing/2010/main" xmlns="" w="9525">
+                <a14:hiddenLine xmlns="" xmlns:a14="http://schemas.microsoft.com/office/drawing/2010/main" w="9525">
                   <a:solidFill>
                     <a:srgbClr val="000000"/>
                   </a:solidFill>
@@ -3017,7 +3022,7 @@
             </a:ln>
             <a:extLst>
               <a:ext uri="{91240B29-F687-4f45-9708-019B960494DF}">
-                <a14:hiddenLine xmlns:a14="http://schemas.microsoft.com/office/drawing/2010/main" xmlns="" w="9525">
+                <a14:hiddenLine xmlns="" xmlns:a14="http://schemas.microsoft.com/office/drawing/2010/main" w="9525">
                   <a:solidFill>
                     <a:srgbClr val="000000"/>
                   </a:solidFill>
@@ -3079,7 +3084,7 @@
             </a:ln>
             <a:extLst>
               <a:ext uri="{91240B29-F687-4f45-9708-019B960494DF}">
-                <a14:hiddenLine xmlns:a14="http://schemas.microsoft.com/office/drawing/2010/main" xmlns="" w="9525">
+                <a14:hiddenLine xmlns="" xmlns:a14="http://schemas.microsoft.com/office/drawing/2010/main" w="9525">
                   <a:solidFill>
                     <a:srgbClr val="000000"/>
                   </a:solidFill>
@@ -3169,7 +3174,7 @@
             </a:ln>
             <a:extLst>
               <a:ext uri="{91240B29-F687-4f45-9708-019B960494DF}">
-                <a14:hiddenLine xmlns:a14="http://schemas.microsoft.com/office/drawing/2010/main" xmlns="" w="9525">
+                <a14:hiddenLine xmlns="" xmlns:a14="http://schemas.microsoft.com/office/drawing/2010/main" w="9525">
                   <a:solidFill>
                     <a:srgbClr val="000000"/>
                   </a:solidFill>
@@ -3203,7 +3208,7 @@
             </a:ln>
             <a:extLst>
               <a:ext uri="{91240B29-F687-4f45-9708-019B960494DF}">
-                <a14:hiddenLine xmlns:a14="http://schemas.microsoft.com/office/drawing/2010/main" xmlns="" w="9525">
+                <a14:hiddenLine xmlns="" xmlns:a14="http://schemas.microsoft.com/office/drawing/2010/main" w="9525">
                   <a:solidFill>
                     <a:srgbClr val="000000"/>
                   </a:solidFill>
@@ -3268,7 +3273,7 @@
             </a:ln>
             <a:extLst>
               <a:ext uri="{91240B29-F687-4f45-9708-019B960494DF}">
-                <a14:hiddenLine xmlns:a14="http://schemas.microsoft.com/office/drawing/2010/main" xmlns="" w="9525">
+                <a14:hiddenLine xmlns="" xmlns:a14="http://schemas.microsoft.com/office/drawing/2010/main" w="9525">
                   <a:solidFill>
                     <a:srgbClr val="000000"/>
                   </a:solidFill>
@@ -3358,7 +3363,7 @@
             </a:ln>
             <a:extLst>
               <a:ext uri="{91240B29-F687-4f45-9708-019B960494DF}">
-                <a14:hiddenLine xmlns:a14="http://schemas.microsoft.com/office/drawing/2010/main" xmlns="" w="9525">
+                <a14:hiddenLine xmlns="" xmlns:a14="http://schemas.microsoft.com/office/drawing/2010/main" w="9525">
                   <a:solidFill>
                     <a:srgbClr val="000000"/>
                   </a:solidFill>
@@ -3420,7 +3425,7 @@
             </a:ln>
             <a:extLst>
               <a:ext uri="{91240B29-F687-4f45-9708-019B960494DF}">
-                <a14:hiddenLine xmlns:a14="http://schemas.microsoft.com/office/drawing/2010/main" xmlns="" w="9525">
+                <a14:hiddenLine xmlns="" xmlns:a14="http://schemas.microsoft.com/office/drawing/2010/main" w="9525">
                   <a:solidFill>
                     <a:srgbClr val="000000"/>
                   </a:solidFill>
@@ -3510,7 +3515,7 @@
             </a:ln>
             <a:extLst>
               <a:ext uri="{91240B29-F687-4f45-9708-019B960494DF}">
-                <a14:hiddenLine xmlns:a14="http://schemas.microsoft.com/office/drawing/2010/main" xmlns="" w="9525">
+                <a14:hiddenLine xmlns="" xmlns:a14="http://schemas.microsoft.com/office/drawing/2010/main" w="9525">
                   <a:solidFill>
                     <a:srgbClr val="000000"/>
                   </a:solidFill>
@@ -3600,7 +3605,7 @@
             </a:ln>
             <a:extLst>
               <a:ext uri="{91240B29-F687-4f45-9708-019B960494DF}">
-                <a14:hiddenLine xmlns:a14="http://schemas.microsoft.com/office/drawing/2010/main" xmlns="" w="9525">
+                <a14:hiddenLine xmlns="" xmlns:a14="http://schemas.microsoft.com/office/drawing/2010/main" w="9525">
                   <a:solidFill>
                     <a:srgbClr val="000000"/>
                   </a:solidFill>
@@ -3665,7 +3670,7 @@
             </a:ln>
             <a:extLst>
               <a:ext uri="{91240B29-F687-4f45-9708-019B960494DF}">
-                <a14:hiddenLine xmlns:a14="http://schemas.microsoft.com/office/drawing/2010/main" xmlns="" w="9525">
+                <a14:hiddenLine xmlns="" xmlns:a14="http://schemas.microsoft.com/office/drawing/2010/main" w="9525">
                   <a:solidFill>
                     <a:srgbClr val="000000"/>
                   </a:solidFill>
@@ -3727,7 +3732,7 @@
             </a:ln>
             <a:extLst>
               <a:ext uri="{91240B29-F687-4f45-9708-019B960494DF}">
-                <a14:hiddenLine xmlns:a14="http://schemas.microsoft.com/office/drawing/2010/main" xmlns="" w="9525">
+                <a14:hiddenLine xmlns="" xmlns:a14="http://schemas.microsoft.com/office/drawing/2010/main" w="9525">
                   <a:solidFill>
                     <a:srgbClr val="000000"/>
                   </a:solidFill>
@@ -3817,7 +3822,7 @@
             </a:ln>
             <a:extLst>
               <a:ext uri="{91240B29-F687-4f45-9708-019B960494DF}">
-                <a14:hiddenLine xmlns:a14="http://schemas.microsoft.com/office/drawing/2010/main" xmlns="" w="9525">
+                <a14:hiddenLine xmlns="" xmlns:a14="http://schemas.microsoft.com/office/drawing/2010/main" w="9525">
                   <a:solidFill>
                     <a:srgbClr val="000000"/>
                   </a:solidFill>
@@ -3907,7 +3912,7 @@
             </a:ln>
             <a:extLst>
               <a:ext uri="{91240B29-F687-4f45-9708-019B960494DF}">
-                <a14:hiddenLine xmlns:a14="http://schemas.microsoft.com/office/drawing/2010/main" xmlns="" w="9525">
+                <a14:hiddenLine xmlns="" xmlns:a14="http://schemas.microsoft.com/office/drawing/2010/main" w="9525">
                   <a:solidFill>
                     <a:srgbClr val="000000"/>
                   </a:solidFill>
@@ -3969,7 +3974,7 @@
             </a:ln>
             <a:extLst>
               <a:ext uri="{91240B29-F687-4f45-9708-019B960494DF}">
-                <a14:hiddenLine xmlns:a14="http://schemas.microsoft.com/office/drawing/2010/main" xmlns="" w="9525">
+                <a14:hiddenLine xmlns="" xmlns:a14="http://schemas.microsoft.com/office/drawing/2010/main" w="9525">
                   <a:solidFill>
                     <a:srgbClr val="000000"/>
                   </a:solidFill>
@@ -4089,7 +4094,7 @@
             </a:ln>
             <a:extLst>
               <a:ext uri="{91240B29-F687-4f45-9708-019B960494DF}">
-                <a14:hiddenLine xmlns:a14="http://schemas.microsoft.com/office/drawing/2010/main" xmlns="" w="9525">
+                <a14:hiddenLine xmlns="" xmlns:a14="http://schemas.microsoft.com/office/drawing/2010/main" w="9525">
                   <a:solidFill>
                     <a:srgbClr val="000000"/>
                   </a:solidFill>
@@ -4157,7 +4162,7 @@
             </a:ln>
             <a:extLst>
               <a:ext uri="{91240B29-F687-4f45-9708-019B960494DF}">
-                <a14:hiddenLine xmlns:a14="http://schemas.microsoft.com/office/drawing/2010/main" xmlns="" w="9525">
+                <a14:hiddenLine xmlns="" xmlns:a14="http://schemas.microsoft.com/office/drawing/2010/main" w="9525">
                   <a:solidFill>
                     <a:srgbClr val="000000"/>
                   </a:solidFill>
@@ -4247,7 +4252,7 @@
             </a:ln>
             <a:extLst>
               <a:ext uri="{91240B29-F687-4f45-9708-019B960494DF}">
-                <a14:hiddenLine xmlns:a14="http://schemas.microsoft.com/office/drawing/2010/main" xmlns="" w="9525">
+                <a14:hiddenLine xmlns="" xmlns:a14="http://schemas.microsoft.com/office/drawing/2010/main" w="9525">
                   <a:solidFill>
                     <a:srgbClr val="000000"/>
                   </a:solidFill>
@@ -4387,7 +4392,7 @@
           <a:p>
             <a:fld id="{48A87A34-81AB-432B-8DAE-1953F412C126}" type="datetimeFigureOut">
               <a:rPr lang="en-US" dirty="0"/>
-              <a:t>04-Jun-18</a:t>
+              <a:t>05-Jun-18</a:t>
             </a:fld>
             <a:endParaRPr lang="en-US" dirty="0"/>
           </a:p>
@@ -4649,7 +4654,7 @@
           <a:p>
             <a:fld id="{48A87A34-81AB-432B-8DAE-1953F412C126}" type="datetimeFigureOut">
               <a:rPr lang="en-US" dirty="0"/>
-              <a:t>04-Jun-18</a:t>
+              <a:t>05-Jun-18</a:t>
             </a:fld>
             <a:endParaRPr lang="en-US" dirty="0"/>
           </a:p>
@@ -4840,7 +4845,7 @@
           <a:p>
             <a:fld id="{48A87A34-81AB-432B-8DAE-1953F412C126}" type="datetimeFigureOut">
               <a:rPr lang="en-US" dirty="0"/>
-              <a:t>04-Jun-18</a:t>
+              <a:t>05-Jun-18</a:t>
             </a:fld>
             <a:endParaRPr lang="en-US" dirty="0"/>
           </a:p>
@@ -5098,7 +5103,7 @@
           <a:p>
             <a:fld id="{48A87A34-81AB-432B-8DAE-1953F412C126}" type="datetimeFigureOut">
               <a:rPr lang="en-US" dirty="0"/>
-              <a:t>04-Jun-18</a:t>
+              <a:t>05-Jun-18</a:t>
             </a:fld>
             <a:endParaRPr lang="en-US" dirty="0"/>
           </a:p>
@@ -5527,7 +5532,7 @@
           <a:p>
             <a:fld id="{48A87A34-81AB-432B-8DAE-1953F412C126}" type="datetimeFigureOut">
               <a:rPr lang="en-US" dirty="0"/>
-              <a:t>04-Jun-18</a:t>
+              <a:t>05-Jun-18</a:t>
             </a:fld>
             <a:endParaRPr lang="en-US" dirty="0"/>
           </a:p>
@@ -6068,7 +6073,7 @@
           <a:p>
             <a:fld id="{48A87A34-81AB-432B-8DAE-1953F412C126}" type="datetimeFigureOut">
               <a:rPr lang="en-US" dirty="0"/>
-              <a:t>04-Jun-18</a:t>
+              <a:t>05-Jun-18</a:t>
             </a:fld>
             <a:endParaRPr lang="en-US" dirty="0"/>
           </a:p>
@@ -6783,7 +6788,7 @@
           <a:p>
             <a:fld id="{48A87A34-81AB-432B-8DAE-1953F412C126}" type="datetimeFigureOut">
               <a:rPr lang="en-US" dirty="0"/>
-              <a:t>04-Jun-18</a:t>
+              <a:t>05-Jun-18</a:t>
             </a:fld>
             <a:endParaRPr lang="en-US" dirty="0"/>
           </a:p>
@@ -6948,7 +6953,7 @@
           <a:p>
             <a:fld id="{48A87A34-81AB-432B-8DAE-1953F412C126}" type="datetimeFigureOut">
               <a:rPr lang="en-US" dirty="0"/>
-              <a:t>04-Jun-18</a:t>
+              <a:t>05-Jun-18</a:t>
             </a:fld>
             <a:endParaRPr lang="en-US" dirty="0"/>
           </a:p>
@@ -7123,7 +7128,7 @@
           <a:p>
             <a:fld id="{48A87A34-81AB-432B-8DAE-1953F412C126}" type="datetimeFigureOut">
               <a:rPr lang="en-US" dirty="0"/>
-              <a:t>04-Jun-18</a:t>
+              <a:t>05-Jun-18</a:t>
             </a:fld>
             <a:endParaRPr lang="en-US" dirty="0"/>
           </a:p>
@@ -7288,7 +7293,7 @@
           <a:p>
             <a:fld id="{48A87A34-81AB-432B-8DAE-1953F412C126}" type="datetimeFigureOut">
               <a:rPr lang="en-US" dirty="0"/>
-              <a:t>04-Jun-18</a:t>
+              <a:t>05-Jun-18</a:t>
             </a:fld>
             <a:endParaRPr lang="en-US" dirty="0"/>
           </a:p>
@@ -7533,7 +7538,7 @@
           <a:p>
             <a:fld id="{48A87A34-81AB-432B-8DAE-1953F412C126}" type="datetimeFigureOut">
               <a:rPr lang="en-US" dirty="0"/>
-              <a:t>04-Jun-18</a:t>
+              <a:t>05-Jun-18</a:t>
             </a:fld>
             <a:endParaRPr lang="en-US" dirty="0"/>
           </a:p>
@@ -7760,7 +7765,7 @@
           <a:p>
             <a:fld id="{48A87A34-81AB-432B-8DAE-1953F412C126}" type="datetimeFigureOut">
               <a:rPr lang="en-US" dirty="0"/>
-              <a:t>04-Jun-18</a:t>
+              <a:t>05-Jun-18</a:t>
             </a:fld>
             <a:endParaRPr lang="en-US" dirty="0"/>
           </a:p>
@@ -8136,7 +8141,7 @@
           <a:p>
             <a:fld id="{48A87A34-81AB-432B-8DAE-1953F412C126}" type="datetimeFigureOut">
               <a:rPr lang="en-US" dirty="0"/>
-              <a:t>04-Jun-18</a:t>
+              <a:t>05-Jun-18</a:t>
             </a:fld>
             <a:endParaRPr lang="en-US" dirty="0"/>
           </a:p>
@@ -8249,7 +8254,7 @@
           <a:p>
             <a:fld id="{48A87A34-81AB-432B-8DAE-1953F412C126}" type="datetimeFigureOut">
               <a:rPr lang="en-US" dirty="0"/>
-              <a:t>04-Jun-18</a:t>
+              <a:t>05-Jun-18</a:t>
             </a:fld>
             <a:endParaRPr lang="en-US" dirty="0"/>
           </a:p>
@@ -8339,7 +8344,7 @@
           <a:p>
             <a:fld id="{48A87A34-81AB-432B-8DAE-1953F412C126}" type="datetimeFigureOut">
               <a:rPr lang="en-US" dirty="0"/>
-              <a:t>04-Jun-18</a:t>
+              <a:t>05-Jun-18</a:t>
             </a:fld>
             <a:endParaRPr lang="en-US" dirty="0"/>
           </a:p>
@@ -8583,7 +8588,7 @@
           <a:p>
             <a:fld id="{48A87A34-81AB-432B-8DAE-1953F412C126}" type="datetimeFigureOut">
               <a:rPr lang="en-US" dirty="0"/>
-              <a:t>04-Jun-18</a:t>
+              <a:t>05-Jun-18</a:t>
             </a:fld>
             <a:endParaRPr lang="en-US" dirty="0"/>
           </a:p>
@@ -8858,7 +8863,7 @@
           <a:p>
             <a:fld id="{48A87A34-81AB-432B-8DAE-1953F412C126}" type="datetimeFigureOut">
               <a:rPr lang="en-US" dirty="0"/>
-              <a:t>04-Jun-18</a:t>
+              <a:t>05-Jun-18</a:t>
             </a:fld>
             <a:endParaRPr lang="en-US" dirty="0"/>
           </a:p>
@@ -8969,7 +8974,7 @@
           <a:noFill/>
           <a:extLst>
             <a:ext uri="{909E8E84-426E-40dd-AFC4-6F175D3DCCD1}">
-              <a14:hiddenFill xmlns:a14="http://schemas.microsoft.com/office/drawing/2010/main" xmlns="">
+              <a14:hiddenFill xmlns="" xmlns:a14="http://schemas.microsoft.com/office/drawing/2010/main">
                 <a:solidFill>
                   <a:srgbClr val="FFFFFF"/>
                 </a:solidFill>
@@ -9043,7 +9048,7 @@
               </a:ln>
               <a:extLst>
                 <a:ext uri="{91240B29-F687-4f45-9708-019B960494DF}">
-                  <a14:hiddenLine xmlns:a14="http://schemas.microsoft.com/office/drawing/2010/main" xmlns="" w="9525">
+                  <a14:hiddenLine xmlns="" xmlns:a14="http://schemas.microsoft.com/office/drawing/2010/main" w="9525">
                     <a:solidFill>
                       <a:srgbClr val="000000"/>
                     </a:solidFill>
@@ -9133,7 +9138,7 @@
               </a:ln>
               <a:extLst>
                 <a:ext uri="{91240B29-F687-4f45-9708-019B960494DF}">
-                  <a14:hiddenLine xmlns:a14="http://schemas.microsoft.com/office/drawing/2010/main" xmlns="" w="9525">
+                  <a14:hiddenLine xmlns="" xmlns:a14="http://schemas.microsoft.com/office/drawing/2010/main" w="9525">
                     <a:solidFill>
                       <a:srgbClr val="000000"/>
                     </a:solidFill>
@@ -9223,7 +9228,7 @@
               </a:ln>
               <a:extLst>
                 <a:ext uri="{91240B29-F687-4f45-9708-019B960494DF}">
-                  <a14:hiddenLine xmlns:a14="http://schemas.microsoft.com/office/drawing/2010/main" xmlns="" w="9525">
+                  <a14:hiddenLine xmlns="" xmlns:a14="http://schemas.microsoft.com/office/drawing/2010/main" w="9525">
                     <a:solidFill>
                       <a:srgbClr val="000000"/>
                     </a:solidFill>
@@ -9285,7 +9290,7 @@
               </a:ln>
               <a:extLst>
                 <a:ext uri="{91240B29-F687-4f45-9708-019B960494DF}">
-                  <a14:hiddenLine xmlns:a14="http://schemas.microsoft.com/office/drawing/2010/main" xmlns="" w="9525">
+                  <a14:hiddenLine xmlns="" xmlns:a14="http://schemas.microsoft.com/office/drawing/2010/main" w="9525">
                     <a:solidFill>
                       <a:srgbClr val="000000"/>
                     </a:solidFill>
@@ -9375,7 +9380,7 @@
               </a:ln>
               <a:extLst>
                 <a:ext uri="{91240B29-F687-4f45-9708-019B960494DF}">
-                  <a14:hiddenLine xmlns:a14="http://schemas.microsoft.com/office/drawing/2010/main" xmlns="" w="9525">
+                  <a14:hiddenLine xmlns="" xmlns:a14="http://schemas.microsoft.com/office/drawing/2010/main" w="9525">
                     <a:solidFill>
                       <a:srgbClr val="000000"/>
                     </a:solidFill>
@@ -9437,7 +9442,7 @@
               </a:ln>
               <a:extLst>
                 <a:ext uri="{91240B29-F687-4f45-9708-019B960494DF}">
-                  <a14:hiddenLine xmlns:a14="http://schemas.microsoft.com/office/drawing/2010/main" xmlns="" w="9525">
+                  <a14:hiddenLine xmlns="" xmlns:a14="http://schemas.microsoft.com/office/drawing/2010/main" w="9525">
                     <a:solidFill>
                       <a:srgbClr val="000000"/>
                     </a:solidFill>
@@ -9499,7 +9504,7 @@
               </a:ln>
               <a:extLst>
                 <a:ext uri="{91240B29-F687-4f45-9708-019B960494DF}">
-                  <a14:hiddenLine xmlns:a14="http://schemas.microsoft.com/office/drawing/2010/main" xmlns="" w="9525">
+                  <a14:hiddenLine xmlns="" xmlns:a14="http://schemas.microsoft.com/office/drawing/2010/main" w="9525">
                     <a:solidFill>
                       <a:srgbClr val="000000"/>
                     </a:solidFill>
@@ -9589,7 +9594,7 @@
               </a:ln>
               <a:extLst>
                 <a:ext uri="{91240B29-F687-4f45-9708-019B960494DF}">
-                  <a14:hiddenLine xmlns:a14="http://schemas.microsoft.com/office/drawing/2010/main" xmlns="" w="9525">
+                  <a14:hiddenLine xmlns="" xmlns:a14="http://schemas.microsoft.com/office/drawing/2010/main" w="9525">
                     <a:solidFill>
                       <a:srgbClr val="000000"/>
                     </a:solidFill>
@@ -9679,7 +9684,7 @@
               </a:ln>
               <a:extLst>
                 <a:ext uri="{91240B29-F687-4f45-9708-019B960494DF}">
-                  <a14:hiddenLine xmlns:a14="http://schemas.microsoft.com/office/drawing/2010/main" xmlns="" w="9525">
+                  <a14:hiddenLine xmlns="" xmlns:a14="http://schemas.microsoft.com/office/drawing/2010/main" w="9525">
                     <a:solidFill>
                       <a:srgbClr val="000000"/>
                     </a:solidFill>
@@ -9741,7 +9746,7 @@
               </a:ln>
               <a:extLst>
                 <a:ext uri="{91240B29-F687-4f45-9708-019B960494DF}">
-                  <a14:hiddenLine xmlns:a14="http://schemas.microsoft.com/office/drawing/2010/main" xmlns="" w="9525">
+                  <a14:hiddenLine xmlns="" xmlns:a14="http://schemas.microsoft.com/office/drawing/2010/main" w="9525">
                     <a:solidFill>
                       <a:srgbClr val="000000"/>
                     </a:solidFill>
@@ -9851,7 +9856,7 @@
               </a:ln>
               <a:extLst>
                 <a:ext uri="{91240B29-F687-4f45-9708-019B960494DF}">
-                  <a14:hiddenLine xmlns:a14="http://schemas.microsoft.com/office/drawing/2010/main" xmlns="" w="9525">
+                  <a14:hiddenLine xmlns="" xmlns:a14="http://schemas.microsoft.com/office/drawing/2010/main" w="9525">
                     <a:solidFill>
                       <a:srgbClr val="000000"/>
                     </a:solidFill>
@@ -9935,7 +9940,7 @@
               </a:ln>
               <a:extLst>
                 <a:ext uri="{91240B29-F687-4f45-9708-019B960494DF}">
-                  <a14:hiddenLine xmlns:a14="http://schemas.microsoft.com/office/drawing/2010/main" xmlns="" w="9525">
+                  <a14:hiddenLine xmlns="" xmlns:a14="http://schemas.microsoft.com/office/drawing/2010/main" w="9525">
                     <a:solidFill>
                       <a:srgbClr val="000000"/>
                     </a:solidFill>
@@ -9997,7 +10002,7 @@
               </a:ln>
               <a:extLst>
                 <a:ext uri="{91240B29-F687-4f45-9708-019B960494DF}">
-                  <a14:hiddenLine xmlns:a14="http://schemas.microsoft.com/office/drawing/2010/main" xmlns="" w="9525">
+                  <a14:hiddenLine xmlns="" xmlns:a14="http://schemas.microsoft.com/office/drawing/2010/main" w="9525">
                     <a:solidFill>
                       <a:srgbClr val="000000"/>
                     </a:solidFill>
@@ -10059,7 +10064,7 @@
               </a:ln>
               <a:extLst>
                 <a:ext uri="{91240B29-F687-4f45-9708-019B960494DF}">
-                  <a14:hiddenLine xmlns:a14="http://schemas.microsoft.com/office/drawing/2010/main" xmlns="" w="9525">
+                  <a14:hiddenLine xmlns="" xmlns:a14="http://schemas.microsoft.com/office/drawing/2010/main" w="9525">
                     <a:solidFill>
                       <a:srgbClr val="000000"/>
                     </a:solidFill>
@@ -10149,7 +10154,7 @@
               </a:ln>
               <a:extLst>
                 <a:ext uri="{91240B29-F687-4f45-9708-019B960494DF}">
-                  <a14:hiddenLine xmlns:a14="http://schemas.microsoft.com/office/drawing/2010/main" xmlns="" w="9525">
+                  <a14:hiddenLine xmlns="" xmlns:a14="http://schemas.microsoft.com/office/drawing/2010/main" w="9525">
                     <a:solidFill>
                       <a:srgbClr val="000000"/>
                     </a:solidFill>
@@ -10183,7 +10188,7 @@
               </a:ln>
               <a:extLst>
                 <a:ext uri="{91240B29-F687-4f45-9708-019B960494DF}">
-                  <a14:hiddenLine xmlns:a14="http://schemas.microsoft.com/office/drawing/2010/main" xmlns="" w="9525">
+                  <a14:hiddenLine xmlns="" xmlns:a14="http://schemas.microsoft.com/office/drawing/2010/main" w="9525">
                     <a:solidFill>
                       <a:srgbClr val="000000"/>
                     </a:solidFill>
@@ -10248,7 +10253,7 @@
               </a:ln>
               <a:extLst>
                 <a:ext uri="{91240B29-F687-4f45-9708-019B960494DF}">
-                  <a14:hiddenLine xmlns:a14="http://schemas.microsoft.com/office/drawing/2010/main" xmlns="" w="9525">
+                  <a14:hiddenLine xmlns="" xmlns:a14="http://schemas.microsoft.com/office/drawing/2010/main" w="9525">
                     <a:solidFill>
                       <a:srgbClr val="000000"/>
                     </a:solidFill>
@@ -10338,7 +10343,7 @@
               </a:ln>
               <a:extLst>
                 <a:ext uri="{91240B29-F687-4f45-9708-019B960494DF}">
-                  <a14:hiddenLine xmlns:a14="http://schemas.microsoft.com/office/drawing/2010/main" xmlns="" w="9525">
+                  <a14:hiddenLine xmlns="" xmlns:a14="http://schemas.microsoft.com/office/drawing/2010/main" w="9525">
                     <a:solidFill>
                       <a:srgbClr val="000000"/>
                     </a:solidFill>
@@ -10400,7 +10405,7 @@
               </a:ln>
               <a:extLst>
                 <a:ext uri="{91240B29-F687-4f45-9708-019B960494DF}">
-                  <a14:hiddenLine xmlns:a14="http://schemas.microsoft.com/office/drawing/2010/main" xmlns="" w="9525">
+                  <a14:hiddenLine xmlns="" xmlns:a14="http://schemas.microsoft.com/office/drawing/2010/main" w="9525">
                     <a:solidFill>
                       <a:srgbClr val="000000"/>
                     </a:solidFill>
@@ -10490,7 +10495,7 @@
               </a:ln>
               <a:extLst>
                 <a:ext uri="{91240B29-F687-4f45-9708-019B960494DF}">
-                  <a14:hiddenLine xmlns:a14="http://schemas.microsoft.com/office/drawing/2010/main" xmlns="" w="9525">
+                  <a14:hiddenLine xmlns="" xmlns:a14="http://schemas.microsoft.com/office/drawing/2010/main" w="9525">
                     <a:solidFill>
                       <a:srgbClr val="000000"/>
                     </a:solidFill>
@@ -10555,7 +10560,7 @@
               </a:ln>
               <a:extLst>
                 <a:ext uri="{91240B29-F687-4f45-9708-019B960494DF}">
-                  <a14:hiddenLine xmlns:a14="http://schemas.microsoft.com/office/drawing/2010/main" xmlns="" w="9525">
+                  <a14:hiddenLine xmlns="" xmlns:a14="http://schemas.microsoft.com/office/drawing/2010/main" w="9525">
                     <a:solidFill>
                       <a:srgbClr val="000000"/>
                     </a:solidFill>
@@ -10617,7 +10622,7 @@
               </a:ln>
               <a:extLst>
                 <a:ext uri="{91240B29-F687-4f45-9708-019B960494DF}">
-                  <a14:hiddenLine xmlns:a14="http://schemas.microsoft.com/office/drawing/2010/main" xmlns="" w="9525">
+                  <a14:hiddenLine xmlns="" xmlns:a14="http://schemas.microsoft.com/office/drawing/2010/main" w="9525">
                     <a:solidFill>
                       <a:srgbClr val="000000"/>
                     </a:solidFill>
@@ -10707,7 +10712,7 @@
               </a:ln>
               <a:extLst>
                 <a:ext uri="{91240B29-F687-4f45-9708-019B960494DF}">
-                  <a14:hiddenLine xmlns:a14="http://schemas.microsoft.com/office/drawing/2010/main" xmlns="" w="9525">
+                  <a14:hiddenLine xmlns="" xmlns:a14="http://schemas.microsoft.com/office/drawing/2010/main" w="9525">
                     <a:solidFill>
                       <a:srgbClr val="000000"/>
                     </a:solidFill>
@@ -10797,7 +10802,7 @@
               </a:ln>
               <a:extLst>
                 <a:ext uri="{91240B29-F687-4f45-9708-019B960494DF}">
-                  <a14:hiddenLine xmlns:a14="http://schemas.microsoft.com/office/drawing/2010/main" xmlns="" w="9525">
+                  <a14:hiddenLine xmlns="" xmlns:a14="http://schemas.microsoft.com/office/drawing/2010/main" w="9525">
                     <a:solidFill>
                       <a:srgbClr val="000000"/>
                     </a:solidFill>
@@ -10862,7 +10867,7 @@
               </a:ln>
               <a:extLst>
                 <a:ext uri="{91240B29-F687-4f45-9708-019B960494DF}">
-                  <a14:hiddenLine xmlns:a14="http://schemas.microsoft.com/office/drawing/2010/main" xmlns="" w="9525">
+                  <a14:hiddenLine xmlns="" xmlns:a14="http://schemas.microsoft.com/office/drawing/2010/main" w="9525">
                     <a:solidFill>
                       <a:srgbClr val="000000"/>
                     </a:solidFill>
@@ -10982,7 +10987,7 @@
               </a:ln>
               <a:extLst>
                 <a:ext uri="{91240B29-F687-4f45-9708-019B960494DF}">
-                  <a14:hiddenLine xmlns:a14="http://schemas.microsoft.com/office/drawing/2010/main" xmlns="" w="9525">
+                  <a14:hiddenLine xmlns="" xmlns:a14="http://schemas.microsoft.com/office/drawing/2010/main" w="9525">
                     <a:solidFill>
                       <a:srgbClr val="000000"/>
                     </a:solidFill>
@@ -11080,7 +11085,7 @@
               </a:ln>
               <a:extLst>
                 <a:ext uri="{91240B29-F687-4f45-9708-019B960494DF}">
-                  <a14:hiddenLine xmlns:a14="http://schemas.microsoft.com/office/drawing/2010/main" xmlns="" w="9525">
+                  <a14:hiddenLine xmlns="" xmlns:a14="http://schemas.microsoft.com/office/drawing/2010/main" w="9525">
                     <a:solidFill>
                       <a:srgbClr val="000000"/>
                     </a:solidFill>
@@ -11195,7 +11200,7 @@
               </a:ln>
               <a:extLst>
                 <a:ext uri="{91240B29-F687-4f45-9708-019B960494DF}">
-                  <a14:hiddenLine xmlns:a14="http://schemas.microsoft.com/office/drawing/2010/main" xmlns="" w="9525">
+                  <a14:hiddenLine xmlns="" xmlns:a14="http://schemas.microsoft.com/office/drawing/2010/main" w="9525">
                     <a:solidFill>
                       <a:srgbClr val="000000"/>
                     </a:solidFill>
@@ -11285,7 +11290,7 @@
               </a:ln>
               <a:extLst>
                 <a:ext uri="{91240B29-F687-4f45-9708-019B960494DF}">
-                  <a14:hiddenLine xmlns:a14="http://schemas.microsoft.com/office/drawing/2010/main" xmlns="" w="9525">
+                  <a14:hiddenLine xmlns="" xmlns:a14="http://schemas.microsoft.com/office/drawing/2010/main" w="9525">
                     <a:solidFill>
                       <a:srgbClr val="000000"/>
                     </a:solidFill>
@@ -11350,7 +11355,7 @@
               </a:ln>
               <a:extLst>
                 <a:ext uri="{91240B29-F687-4f45-9708-019B960494DF}">
-                  <a14:hiddenLine xmlns:a14="http://schemas.microsoft.com/office/drawing/2010/main" xmlns="" w="9525">
+                  <a14:hiddenLine xmlns="" xmlns:a14="http://schemas.microsoft.com/office/drawing/2010/main" w="9525">
                     <a:solidFill>
                       <a:srgbClr val="000000"/>
                     </a:solidFill>
@@ -11440,7 +11445,7 @@
               </a:ln>
               <a:extLst>
                 <a:ext uri="{91240B29-F687-4f45-9708-019B960494DF}">
-                  <a14:hiddenLine xmlns:a14="http://schemas.microsoft.com/office/drawing/2010/main" xmlns="" w="9525">
+                  <a14:hiddenLine xmlns="" xmlns:a14="http://schemas.microsoft.com/office/drawing/2010/main" w="9525">
                     <a:solidFill>
                       <a:srgbClr val="000000"/>
                     </a:solidFill>
@@ -11508,7 +11513,7 @@
               </a:ln>
               <a:extLst>
                 <a:ext uri="{91240B29-F687-4f45-9708-019B960494DF}">
-                  <a14:hiddenLine xmlns:a14="http://schemas.microsoft.com/office/drawing/2010/main" xmlns="" w="9525">
+                  <a14:hiddenLine xmlns="" xmlns:a14="http://schemas.microsoft.com/office/drawing/2010/main" w="9525">
                     <a:solidFill>
                       <a:srgbClr val="000000"/>
                     </a:solidFill>
@@ -11598,7 +11603,7 @@
               </a:ln>
               <a:extLst>
                 <a:ext uri="{91240B29-F687-4f45-9708-019B960494DF}">
-                  <a14:hiddenLine xmlns:a14="http://schemas.microsoft.com/office/drawing/2010/main" xmlns="" w="9525">
+                  <a14:hiddenLine xmlns="" xmlns:a14="http://schemas.microsoft.com/office/drawing/2010/main" w="9525">
                     <a:solidFill>
                       <a:srgbClr val="000000"/>
                     </a:solidFill>
@@ -11666,7 +11671,7 @@
               </a:ln>
               <a:extLst>
                 <a:ext uri="{91240B29-F687-4f45-9708-019B960494DF}">
-                  <a14:hiddenLine xmlns:a14="http://schemas.microsoft.com/office/drawing/2010/main" xmlns="" w="9525">
+                  <a14:hiddenLine xmlns="" xmlns:a14="http://schemas.microsoft.com/office/drawing/2010/main" w="9525">
                     <a:solidFill>
                       <a:srgbClr val="000000"/>
                     </a:solidFill>
@@ -11756,7 +11761,7 @@
               </a:ln>
               <a:extLst>
                 <a:ext uri="{91240B29-F687-4f45-9708-019B960494DF}">
-                  <a14:hiddenLine xmlns:a14="http://schemas.microsoft.com/office/drawing/2010/main" xmlns="" w="9525">
+                  <a14:hiddenLine xmlns="" xmlns:a14="http://schemas.microsoft.com/office/drawing/2010/main" w="9525">
                     <a:solidFill>
                       <a:srgbClr val="000000"/>
                     </a:solidFill>
@@ -11790,7 +11795,7 @@
               </a:ln>
               <a:extLst>
                 <a:ext uri="{91240B29-F687-4f45-9708-019B960494DF}">
-                  <a14:hiddenLine xmlns:a14="http://schemas.microsoft.com/office/drawing/2010/main" xmlns="" w="9525">
+                  <a14:hiddenLine xmlns="" xmlns:a14="http://schemas.microsoft.com/office/drawing/2010/main" w="9525">
                     <a:solidFill>
                       <a:srgbClr val="000000"/>
                     </a:solidFill>
@@ -11931,7 +11936,7 @@
             <a:fld id="{48A87A34-81AB-432B-8DAE-1953F412C126}" type="datetimeFigureOut">
               <a:rPr lang="en-US" dirty="0"/>
               <a:pPr/>
-              <a:t>04-Jun-18</a:t>
+              <a:t>05-Jun-18</a:t>
             </a:fld>
             <a:endParaRPr lang="en-US" dirty="0"/>
           </a:p>
@@ -12373,7 +12378,6 @@
               <a:rPr lang="sl-SI" sz="4000" dirty="0"/>
               <a:t>Prepoznavanje ročno zapisanih števk</a:t>
             </a:r>
-            <a:endParaRPr lang="sl-SI" sz="4000" dirty="0"/>
           </a:p>
         </p:txBody>
       </p:sp>
@@ -12396,7 +12400,6 @@
               <a:rPr lang="sl-SI" dirty="0"/>
               <a:t>Hand-written numerals recognition</a:t>
             </a:r>
-            <a:endParaRPr lang="sl-SI" dirty="0"/>
           </a:p>
         </p:txBody>
       </p:sp>
@@ -12806,7 +12809,7 @@
         </p:nvGraphicFramePr>
         <p:xfrm>
           <a:off x="579116" y="1198879"/>
-          <a:ext cx="10728964" cy="5364481"/>
+          <a:ext cx="10728964" cy="5366014"/>
         </p:xfrm>
         <a:graphic>
           <a:graphicData uri="http://schemas.openxmlformats.org/drawingml/2006/table">
@@ -13216,7 +13219,7 @@
         </p:nvSpPr>
         <p:spPr>
           <a:xfrm>
-            <a:off x="1273493" y="323878"/>
+            <a:off x="1273493" y="108218"/>
             <a:ext cx="9905998" cy="1478570"/>
           </a:xfrm>
         </p:spPr>
@@ -13232,6 +13235,36 @@
           </a:p>
         </p:txBody>
       </p:sp>
+      <p:pic>
+        <p:nvPicPr>
+          <p:cNvPr id="3" name="Picture 2"/>
+          <p:cNvPicPr>
+            <a:picLocks noChangeAspect="1"/>
+          </p:cNvPicPr>
+          <p:nvPr/>
+        </p:nvPicPr>
+        <p:blipFill>
+          <a:blip r:embed="rId2">
+            <a:extLst>
+              <a:ext uri="{28A0092B-C50C-407E-A947-70E740481C1C}">
+                <a14:useLocalDpi xmlns:a14="http://schemas.microsoft.com/office/drawing/2010/main" val="0"/>
+              </a:ext>
+            </a:extLst>
+          </a:blip>
+          <a:stretch>
+            <a:fillRect/>
+          </a:stretch>
+        </p:blipFill>
+        <p:spPr>
+          <a:xfrm>
+            <a:off x="2809910" y="1423358"/>
+            <a:ext cx="6833164" cy="5064856"/>
+          </a:xfrm>
+          <a:prstGeom prst="rect">
+            <a:avLst/>
+          </a:prstGeom>
+        </p:spPr>
+      </p:pic>
     </p:spTree>
     <p:extLst>
       <p:ext uri="{BB962C8B-B14F-4D97-AF65-F5344CB8AC3E}">

--- a/Prepoznavanje ročno zapisanih števk.pptx
+++ b/Prepoznavanje ročno zapisanih števk.pptx
@@ -166,7 +166,7 @@
           <a:noFill/>
           <a:extLst>
             <a:ext uri="{909E8E84-426E-40dd-AFC4-6F175D3DCCD1}">
-              <a14:hiddenFill xmlns="" xmlns:a14="http://schemas.microsoft.com/office/drawing/2010/main">
+              <a14:hiddenFill xmlns:a14="http://schemas.microsoft.com/office/drawing/2010/main" xmlns="">
                 <a:solidFill>
                   <a:srgbClr val="FFFFFF"/>
                 </a:solidFill>
@@ -226,7 +226,7 @@
             </a:ln>
             <a:extLst>
               <a:ext uri="{91240B29-F687-4f45-9708-019B960494DF}">
-                <a14:hiddenLine xmlns="" xmlns:a14="http://schemas.microsoft.com/office/drawing/2010/main" w="9525">
+                <a14:hiddenLine xmlns:a14="http://schemas.microsoft.com/office/drawing/2010/main" xmlns="" w="9525">
                   <a:solidFill>
                     <a:srgbClr val="000000"/>
                   </a:solidFill>
@@ -316,7 +316,7 @@
             </a:ln>
             <a:extLst>
               <a:ext uri="{91240B29-F687-4f45-9708-019B960494DF}">
-                <a14:hiddenLine xmlns="" xmlns:a14="http://schemas.microsoft.com/office/drawing/2010/main" w="9525">
+                <a14:hiddenLine xmlns:a14="http://schemas.microsoft.com/office/drawing/2010/main" xmlns="" w="9525">
                   <a:solidFill>
                     <a:srgbClr val="000000"/>
                   </a:solidFill>
@@ -406,7 +406,7 @@
             </a:ln>
             <a:extLst>
               <a:ext uri="{91240B29-F687-4f45-9708-019B960494DF}">
-                <a14:hiddenLine xmlns="" xmlns:a14="http://schemas.microsoft.com/office/drawing/2010/main" w="9525">
+                <a14:hiddenLine xmlns:a14="http://schemas.microsoft.com/office/drawing/2010/main" xmlns="" w="9525">
                   <a:solidFill>
                     <a:srgbClr val="000000"/>
                   </a:solidFill>
@@ -440,7 +440,7 @@
             </a:ln>
             <a:extLst>
               <a:ext uri="{91240B29-F687-4f45-9708-019B960494DF}">
-                <a14:hiddenLine xmlns="" xmlns:a14="http://schemas.microsoft.com/office/drawing/2010/main" w="9525">
+                <a14:hiddenLine xmlns:a14="http://schemas.microsoft.com/office/drawing/2010/main" xmlns="" w="9525">
                   <a:solidFill>
                     <a:srgbClr val="000000"/>
                   </a:solidFill>
@@ -530,7 +530,7 @@
             </a:ln>
             <a:extLst>
               <a:ext uri="{91240B29-F687-4f45-9708-019B960494DF}">
-                <a14:hiddenLine xmlns="" xmlns:a14="http://schemas.microsoft.com/office/drawing/2010/main" w="9525">
+                <a14:hiddenLine xmlns:a14="http://schemas.microsoft.com/office/drawing/2010/main" xmlns="" w="9525">
                   <a:solidFill>
                     <a:srgbClr val="000000"/>
                   </a:solidFill>
@@ -592,7 +592,7 @@
             </a:ln>
             <a:extLst>
               <a:ext uri="{91240B29-F687-4f45-9708-019B960494DF}">
-                <a14:hiddenLine xmlns="" xmlns:a14="http://schemas.microsoft.com/office/drawing/2010/main" w="9525">
+                <a14:hiddenLine xmlns:a14="http://schemas.microsoft.com/office/drawing/2010/main" xmlns="" w="9525">
                   <a:solidFill>
                     <a:srgbClr val="000000"/>
                   </a:solidFill>
@@ -654,7 +654,7 @@
             </a:ln>
             <a:extLst>
               <a:ext uri="{91240B29-F687-4f45-9708-019B960494DF}">
-                <a14:hiddenLine xmlns="" xmlns:a14="http://schemas.microsoft.com/office/drawing/2010/main" w="9525">
+                <a14:hiddenLine xmlns:a14="http://schemas.microsoft.com/office/drawing/2010/main" xmlns="" w="9525">
                   <a:solidFill>
                     <a:srgbClr val="000000"/>
                   </a:solidFill>
@@ -744,7 +744,7 @@
             </a:ln>
             <a:extLst>
               <a:ext uri="{91240B29-F687-4f45-9708-019B960494DF}">
-                <a14:hiddenLine xmlns="" xmlns:a14="http://schemas.microsoft.com/office/drawing/2010/main" w="9525">
+                <a14:hiddenLine xmlns:a14="http://schemas.microsoft.com/office/drawing/2010/main" xmlns="" w="9525">
                   <a:solidFill>
                     <a:srgbClr val="000000"/>
                   </a:solidFill>
@@ -806,7 +806,7 @@
             </a:ln>
             <a:extLst>
               <a:ext uri="{91240B29-F687-4f45-9708-019B960494DF}">
-                <a14:hiddenLine xmlns="" xmlns:a14="http://schemas.microsoft.com/office/drawing/2010/main" w="9525">
+                <a14:hiddenLine xmlns:a14="http://schemas.microsoft.com/office/drawing/2010/main" xmlns="" w="9525">
                   <a:solidFill>
                     <a:srgbClr val="000000"/>
                   </a:solidFill>
@@ -868,7 +868,7 @@
             </a:ln>
             <a:extLst>
               <a:ext uri="{91240B29-F687-4f45-9708-019B960494DF}">
-                <a14:hiddenLine xmlns="" xmlns:a14="http://schemas.microsoft.com/office/drawing/2010/main" w="9525">
+                <a14:hiddenLine xmlns:a14="http://schemas.microsoft.com/office/drawing/2010/main" xmlns="" w="9525">
                   <a:solidFill>
                     <a:srgbClr val="000000"/>
                   </a:solidFill>
@@ -958,7 +958,7 @@
             </a:ln>
             <a:extLst>
               <a:ext uri="{91240B29-F687-4f45-9708-019B960494DF}">
-                <a14:hiddenLine xmlns="" xmlns:a14="http://schemas.microsoft.com/office/drawing/2010/main" w="9525">
+                <a14:hiddenLine xmlns:a14="http://schemas.microsoft.com/office/drawing/2010/main" xmlns="" w="9525">
                   <a:solidFill>
                     <a:srgbClr val="000000"/>
                   </a:solidFill>
@@ -1048,7 +1048,7 @@
             </a:ln>
             <a:extLst>
               <a:ext uri="{91240B29-F687-4f45-9708-019B960494DF}">
-                <a14:hiddenLine xmlns="" xmlns:a14="http://schemas.microsoft.com/office/drawing/2010/main" w="9525">
+                <a14:hiddenLine xmlns:a14="http://schemas.microsoft.com/office/drawing/2010/main" xmlns="" w="9525">
                   <a:solidFill>
                     <a:srgbClr val="000000"/>
                   </a:solidFill>
@@ -1110,7 +1110,7 @@
             </a:ln>
             <a:extLst>
               <a:ext uri="{91240B29-F687-4f45-9708-019B960494DF}">
-                <a14:hiddenLine xmlns="" xmlns:a14="http://schemas.microsoft.com/office/drawing/2010/main" w="9525">
+                <a14:hiddenLine xmlns:a14="http://schemas.microsoft.com/office/drawing/2010/main" xmlns="" w="9525">
                   <a:solidFill>
                     <a:srgbClr val="000000"/>
                   </a:solidFill>
@@ -1220,7 +1220,7 @@
             </a:ln>
             <a:extLst>
               <a:ext uri="{91240B29-F687-4f45-9708-019B960494DF}">
-                <a14:hiddenLine xmlns="" xmlns:a14="http://schemas.microsoft.com/office/drawing/2010/main" w="9525">
+                <a14:hiddenLine xmlns:a14="http://schemas.microsoft.com/office/drawing/2010/main" xmlns="" w="9525">
                   <a:solidFill>
                     <a:srgbClr val="000000"/>
                   </a:solidFill>
@@ -1282,7 +1282,7 @@
             </a:ln>
             <a:extLst>
               <a:ext uri="{91240B29-F687-4f45-9708-019B960494DF}">
-                <a14:hiddenLine xmlns="" xmlns:a14="http://schemas.microsoft.com/office/drawing/2010/main" w="9525">
+                <a14:hiddenLine xmlns:a14="http://schemas.microsoft.com/office/drawing/2010/main" xmlns="" w="9525">
                   <a:solidFill>
                     <a:srgbClr val="000000"/>
                   </a:solidFill>
@@ -1372,7 +1372,7 @@
             </a:ln>
             <a:extLst>
               <a:ext uri="{91240B29-F687-4f45-9708-019B960494DF}">
-                <a14:hiddenLine xmlns="" xmlns:a14="http://schemas.microsoft.com/office/drawing/2010/main" w="9525">
+                <a14:hiddenLine xmlns:a14="http://schemas.microsoft.com/office/drawing/2010/main" xmlns="" w="9525">
                   <a:solidFill>
                     <a:srgbClr val="000000"/>
                   </a:solidFill>
@@ -1462,7 +1462,7 @@
             </a:ln>
             <a:extLst>
               <a:ext uri="{91240B29-F687-4f45-9708-019B960494DF}">
-                <a14:hiddenLine xmlns="" xmlns:a14="http://schemas.microsoft.com/office/drawing/2010/main" w="9525">
+                <a14:hiddenLine xmlns:a14="http://schemas.microsoft.com/office/drawing/2010/main" xmlns="" w="9525">
                   <a:solidFill>
                     <a:srgbClr val="000000"/>
                   </a:solidFill>
@@ -1524,7 +1524,7 @@
             </a:ln>
             <a:extLst>
               <a:ext uri="{91240B29-F687-4f45-9708-019B960494DF}">
-                <a14:hiddenLine xmlns="" xmlns:a14="http://schemas.microsoft.com/office/drawing/2010/main" w="9525">
+                <a14:hiddenLine xmlns:a14="http://schemas.microsoft.com/office/drawing/2010/main" xmlns="" w="9525">
                   <a:solidFill>
                     <a:srgbClr val="000000"/>
                   </a:solidFill>
@@ -1614,7 +1614,7 @@
             </a:ln>
             <a:extLst>
               <a:ext uri="{91240B29-F687-4f45-9708-019B960494DF}">
-                <a14:hiddenLine xmlns="" xmlns:a14="http://schemas.microsoft.com/office/drawing/2010/main" w="9525">
+                <a14:hiddenLine xmlns:a14="http://schemas.microsoft.com/office/drawing/2010/main" xmlns="" w="9525">
                   <a:solidFill>
                     <a:srgbClr val="000000"/>
                   </a:solidFill>
@@ -1704,7 +1704,7 @@
             </a:ln>
             <a:extLst>
               <a:ext uri="{91240B29-F687-4f45-9708-019B960494DF}">
-                <a14:hiddenLine xmlns="" xmlns:a14="http://schemas.microsoft.com/office/drawing/2010/main" w="9525">
+                <a14:hiddenLine xmlns:a14="http://schemas.microsoft.com/office/drawing/2010/main" xmlns="" w="9525">
                   <a:solidFill>
                     <a:srgbClr val="000000"/>
                   </a:solidFill>
@@ -1760,7 +1760,7 @@
             </a:ln>
             <a:extLst>
               <a:ext uri="{91240B29-F687-4f45-9708-019B960494DF}">
-                <a14:hiddenLine xmlns="" xmlns:a14="http://schemas.microsoft.com/office/drawing/2010/main" w="9525">
+                <a14:hiddenLine xmlns:a14="http://schemas.microsoft.com/office/drawing/2010/main" xmlns="" w="9525">
                   <a:solidFill>
                     <a:srgbClr val="000000"/>
                   </a:solidFill>
@@ -1850,7 +1850,7 @@
             </a:ln>
             <a:extLst>
               <a:ext uri="{91240B29-F687-4f45-9708-019B960494DF}">
-                <a14:hiddenLine xmlns="" xmlns:a14="http://schemas.microsoft.com/office/drawing/2010/main" w="9525">
+                <a14:hiddenLine xmlns:a14="http://schemas.microsoft.com/office/drawing/2010/main" xmlns="" w="9525">
                   <a:solidFill>
                     <a:srgbClr val="000000"/>
                   </a:solidFill>
@@ -1906,7 +1906,7 @@
             </a:ln>
             <a:extLst>
               <a:ext uri="{91240B29-F687-4f45-9708-019B960494DF}">
-                <a14:hiddenLine xmlns="" xmlns:a14="http://schemas.microsoft.com/office/drawing/2010/main" w="9525">
+                <a14:hiddenLine xmlns:a14="http://schemas.microsoft.com/office/drawing/2010/main" xmlns="" w="9525">
                   <a:solidFill>
                     <a:srgbClr val="000000"/>
                   </a:solidFill>
@@ -1996,7 +1996,7 @@
             </a:ln>
             <a:extLst>
               <a:ext uri="{91240B29-F687-4f45-9708-019B960494DF}">
-                <a14:hiddenLine xmlns="" xmlns:a14="http://schemas.microsoft.com/office/drawing/2010/main" w="9525">
+                <a14:hiddenLine xmlns:a14="http://schemas.microsoft.com/office/drawing/2010/main" xmlns="" w="9525">
                   <a:solidFill>
                     <a:srgbClr val="000000"/>
                   </a:solidFill>
@@ -2064,7 +2064,7 @@
             </a:ln>
             <a:extLst>
               <a:ext uri="{91240B29-F687-4f45-9708-019B960494DF}">
-                <a14:hiddenLine xmlns="" xmlns:a14="http://schemas.microsoft.com/office/drawing/2010/main" w="9525">
+                <a14:hiddenLine xmlns:a14="http://schemas.microsoft.com/office/drawing/2010/main" xmlns="" w="9525">
                   <a:solidFill>
                     <a:srgbClr val="000000"/>
                   </a:solidFill>
@@ -2154,7 +2154,7 @@
             </a:ln>
             <a:extLst>
               <a:ext uri="{91240B29-F687-4f45-9708-019B960494DF}">
-                <a14:hiddenLine xmlns="" xmlns:a14="http://schemas.microsoft.com/office/drawing/2010/main" w="9525">
+                <a14:hiddenLine xmlns:a14="http://schemas.microsoft.com/office/drawing/2010/main" xmlns="" w="9525">
                   <a:solidFill>
                     <a:srgbClr val="000000"/>
                   </a:solidFill>
@@ -2222,7 +2222,7 @@
             </a:ln>
             <a:extLst>
               <a:ext uri="{91240B29-F687-4f45-9708-019B960494DF}">
-                <a14:hiddenLine xmlns="" xmlns:a14="http://schemas.microsoft.com/office/drawing/2010/main" w="9525">
+                <a14:hiddenLine xmlns:a14="http://schemas.microsoft.com/office/drawing/2010/main" xmlns="" w="9525">
                   <a:solidFill>
                     <a:srgbClr val="000000"/>
                   </a:solidFill>
@@ -2312,7 +2312,7 @@
             </a:ln>
             <a:extLst>
               <a:ext uri="{91240B29-F687-4f45-9708-019B960494DF}">
-                <a14:hiddenLine xmlns="" xmlns:a14="http://schemas.microsoft.com/office/drawing/2010/main" w="9525">
+                <a14:hiddenLine xmlns:a14="http://schemas.microsoft.com/office/drawing/2010/main" xmlns="" w="9525">
                   <a:solidFill>
                     <a:srgbClr val="000000"/>
                   </a:solidFill>
@@ -2346,7 +2346,7 @@
             </a:ln>
             <a:extLst>
               <a:ext uri="{91240B29-F687-4f45-9708-019B960494DF}">
-                <a14:hiddenLine xmlns="" xmlns:a14="http://schemas.microsoft.com/office/drawing/2010/main" w="9525">
+                <a14:hiddenLine xmlns:a14="http://schemas.microsoft.com/office/drawing/2010/main" xmlns="" w="9525">
                   <a:solidFill>
                     <a:srgbClr val="000000"/>
                   </a:solidFill>
@@ -2436,7 +2436,7 @@
             </a:ln>
             <a:extLst>
               <a:ext uri="{91240B29-F687-4f45-9708-019B960494DF}">
-                <a14:hiddenLine xmlns="" xmlns:a14="http://schemas.microsoft.com/office/drawing/2010/main" w="9525">
+                <a14:hiddenLine xmlns:a14="http://schemas.microsoft.com/office/drawing/2010/main" xmlns="" w="9525">
                   <a:solidFill>
                     <a:srgbClr val="000000"/>
                   </a:solidFill>
@@ -2498,7 +2498,7 @@
             </a:ln>
             <a:extLst>
               <a:ext uri="{91240B29-F687-4f45-9708-019B960494DF}">
-                <a14:hiddenLine xmlns="" xmlns:a14="http://schemas.microsoft.com/office/drawing/2010/main" w="9525">
+                <a14:hiddenLine xmlns:a14="http://schemas.microsoft.com/office/drawing/2010/main" xmlns="" w="9525">
                   <a:solidFill>
                     <a:srgbClr val="000000"/>
                   </a:solidFill>
@@ -2560,7 +2560,7 @@
             </a:ln>
             <a:extLst>
               <a:ext uri="{91240B29-F687-4f45-9708-019B960494DF}">
-                <a14:hiddenLine xmlns="" xmlns:a14="http://schemas.microsoft.com/office/drawing/2010/main" w="9525">
+                <a14:hiddenLine xmlns:a14="http://schemas.microsoft.com/office/drawing/2010/main" xmlns="" w="9525">
                   <a:solidFill>
                     <a:srgbClr val="000000"/>
                   </a:solidFill>
@@ -2650,7 +2650,7 @@
             </a:ln>
             <a:extLst>
               <a:ext uri="{91240B29-F687-4f45-9708-019B960494DF}">
-                <a14:hiddenLine xmlns="" xmlns:a14="http://schemas.microsoft.com/office/drawing/2010/main" w="9525">
+                <a14:hiddenLine xmlns:a14="http://schemas.microsoft.com/office/drawing/2010/main" xmlns="" w="9525">
                   <a:solidFill>
                     <a:srgbClr val="000000"/>
                   </a:solidFill>
@@ -2718,7 +2718,7 @@
             </a:ln>
             <a:extLst>
               <a:ext uri="{91240B29-F687-4f45-9708-019B960494DF}">
-                <a14:hiddenLine xmlns="" xmlns:a14="http://schemas.microsoft.com/office/drawing/2010/main" w="9525">
+                <a14:hiddenLine xmlns:a14="http://schemas.microsoft.com/office/drawing/2010/main" xmlns="" w="9525">
                   <a:solidFill>
                     <a:srgbClr val="000000"/>
                   </a:solidFill>
@@ -2780,7 +2780,7 @@
             </a:ln>
             <a:extLst>
               <a:ext uri="{91240B29-F687-4f45-9708-019B960494DF}">
-                <a14:hiddenLine xmlns="" xmlns:a14="http://schemas.microsoft.com/office/drawing/2010/main" w="9525">
+                <a14:hiddenLine xmlns:a14="http://schemas.microsoft.com/office/drawing/2010/main" xmlns="" w="9525">
                   <a:solidFill>
                     <a:srgbClr val="000000"/>
                   </a:solidFill>
@@ -2870,7 +2870,7 @@
             </a:ln>
             <a:extLst>
               <a:ext uri="{91240B29-F687-4f45-9708-019B960494DF}">
-                <a14:hiddenLine xmlns="" xmlns:a14="http://schemas.microsoft.com/office/drawing/2010/main" w="9525">
+                <a14:hiddenLine xmlns:a14="http://schemas.microsoft.com/office/drawing/2010/main" xmlns="" w="9525">
                   <a:solidFill>
                     <a:srgbClr val="000000"/>
                   </a:solidFill>
@@ -2932,7 +2932,7 @@
             </a:ln>
             <a:extLst>
               <a:ext uri="{91240B29-F687-4f45-9708-019B960494DF}">
-                <a14:hiddenLine xmlns="" xmlns:a14="http://schemas.microsoft.com/office/drawing/2010/main" w="9525">
+                <a14:hiddenLine xmlns:a14="http://schemas.microsoft.com/office/drawing/2010/main" xmlns="" w="9525">
                   <a:solidFill>
                     <a:srgbClr val="000000"/>
                   </a:solidFill>
@@ -3022,7 +3022,7 @@
             </a:ln>
             <a:extLst>
               <a:ext uri="{91240B29-F687-4f45-9708-019B960494DF}">
-                <a14:hiddenLine xmlns="" xmlns:a14="http://schemas.microsoft.com/office/drawing/2010/main" w="9525">
+                <a14:hiddenLine xmlns:a14="http://schemas.microsoft.com/office/drawing/2010/main" xmlns="" w="9525">
                   <a:solidFill>
                     <a:srgbClr val="000000"/>
                   </a:solidFill>
@@ -3084,7 +3084,7 @@
             </a:ln>
             <a:extLst>
               <a:ext uri="{91240B29-F687-4f45-9708-019B960494DF}">
-                <a14:hiddenLine xmlns="" xmlns:a14="http://schemas.microsoft.com/office/drawing/2010/main" w="9525">
+                <a14:hiddenLine xmlns:a14="http://schemas.microsoft.com/office/drawing/2010/main" xmlns="" w="9525">
                   <a:solidFill>
                     <a:srgbClr val="000000"/>
                   </a:solidFill>
@@ -3174,7 +3174,7 @@
             </a:ln>
             <a:extLst>
               <a:ext uri="{91240B29-F687-4f45-9708-019B960494DF}">
-                <a14:hiddenLine xmlns="" xmlns:a14="http://schemas.microsoft.com/office/drawing/2010/main" w="9525">
+                <a14:hiddenLine xmlns:a14="http://schemas.microsoft.com/office/drawing/2010/main" xmlns="" w="9525">
                   <a:solidFill>
                     <a:srgbClr val="000000"/>
                   </a:solidFill>
@@ -3208,7 +3208,7 @@
             </a:ln>
             <a:extLst>
               <a:ext uri="{91240B29-F687-4f45-9708-019B960494DF}">
-                <a14:hiddenLine xmlns="" xmlns:a14="http://schemas.microsoft.com/office/drawing/2010/main" w="9525">
+                <a14:hiddenLine xmlns:a14="http://schemas.microsoft.com/office/drawing/2010/main" xmlns="" w="9525">
                   <a:solidFill>
                     <a:srgbClr val="000000"/>
                   </a:solidFill>
@@ -3273,7 +3273,7 @@
             </a:ln>
             <a:extLst>
               <a:ext uri="{91240B29-F687-4f45-9708-019B960494DF}">
-                <a14:hiddenLine xmlns="" xmlns:a14="http://schemas.microsoft.com/office/drawing/2010/main" w="9525">
+                <a14:hiddenLine xmlns:a14="http://schemas.microsoft.com/office/drawing/2010/main" xmlns="" w="9525">
                   <a:solidFill>
                     <a:srgbClr val="000000"/>
                   </a:solidFill>
@@ -3363,7 +3363,7 @@
             </a:ln>
             <a:extLst>
               <a:ext uri="{91240B29-F687-4f45-9708-019B960494DF}">
-                <a14:hiddenLine xmlns="" xmlns:a14="http://schemas.microsoft.com/office/drawing/2010/main" w="9525">
+                <a14:hiddenLine xmlns:a14="http://schemas.microsoft.com/office/drawing/2010/main" xmlns="" w="9525">
                   <a:solidFill>
                     <a:srgbClr val="000000"/>
                   </a:solidFill>
@@ -3425,7 +3425,7 @@
             </a:ln>
             <a:extLst>
               <a:ext uri="{91240B29-F687-4f45-9708-019B960494DF}">
-                <a14:hiddenLine xmlns="" xmlns:a14="http://schemas.microsoft.com/office/drawing/2010/main" w="9525">
+                <a14:hiddenLine xmlns:a14="http://schemas.microsoft.com/office/drawing/2010/main" xmlns="" w="9525">
                   <a:solidFill>
                     <a:srgbClr val="000000"/>
                   </a:solidFill>
@@ -3515,7 +3515,7 @@
             </a:ln>
             <a:extLst>
               <a:ext uri="{91240B29-F687-4f45-9708-019B960494DF}">
-                <a14:hiddenLine xmlns="" xmlns:a14="http://schemas.microsoft.com/office/drawing/2010/main" w="9525">
+                <a14:hiddenLine xmlns:a14="http://schemas.microsoft.com/office/drawing/2010/main" xmlns="" w="9525">
                   <a:solidFill>
                     <a:srgbClr val="000000"/>
                   </a:solidFill>
@@ -3605,7 +3605,7 @@
             </a:ln>
             <a:extLst>
               <a:ext uri="{91240B29-F687-4f45-9708-019B960494DF}">
-                <a14:hiddenLine xmlns="" xmlns:a14="http://schemas.microsoft.com/office/drawing/2010/main" w="9525">
+                <a14:hiddenLine xmlns:a14="http://schemas.microsoft.com/office/drawing/2010/main" xmlns="" w="9525">
                   <a:solidFill>
                     <a:srgbClr val="000000"/>
                   </a:solidFill>
@@ -3670,7 +3670,7 @@
             </a:ln>
             <a:extLst>
               <a:ext uri="{91240B29-F687-4f45-9708-019B960494DF}">
-                <a14:hiddenLine xmlns="" xmlns:a14="http://schemas.microsoft.com/office/drawing/2010/main" w="9525">
+                <a14:hiddenLine xmlns:a14="http://schemas.microsoft.com/office/drawing/2010/main" xmlns="" w="9525">
                   <a:solidFill>
                     <a:srgbClr val="000000"/>
                   </a:solidFill>
@@ -3732,7 +3732,7 @@
             </a:ln>
             <a:extLst>
               <a:ext uri="{91240B29-F687-4f45-9708-019B960494DF}">
-                <a14:hiddenLine xmlns="" xmlns:a14="http://schemas.microsoft.com/office/drawing/2010/main" w="9525">
+                <a14:hiddenLine xmlns:a14="http://schemas.microsoft.com/office/drawing/2010/main" xmlns="" w="9525">
                   <a:solidFill>
                     <a:srgbClr val="000000"/>
                   </a:solidFill>
@@ -3822,7 +3822,7 @@
             </a:ln>
             <a:extLst>
               <a:ext uri="{91240B29-F687-4f45-9708-019B960494DF}">
-                <a14:hiddenLine xmlns="" xmlns:a14="http://schemas.microsoft.com/office/drawing/2010/main" w="9525">
+                <a14:hiddenLine xmlns:a14="http://schemas.microsoft.com/office/drawing/2010/main" xmlns="" w="9525">
                   <a:solidFill>
                     <a:srgbClr val="000000"/>
                   </a:solidFill>
@@ -3912,7 +3912,7 @@
             </a:ln>
             <a:extLst>
               <a:ext uri="{91240B29-F687-4f45-9708-019B960494DF}">
-                <a14:hiddenLine xmlns="" xmlns:a14="http://schemas.microsoft.com/office/drawing/2010/main" w="9525">
+                <a14:hiddenLine xmlns:a14="http://schemas.microsoft.com/office/drawing/2010/main" xmlns="" w="9525">
                   <a:solidFill>
                     <a:srgbClr val="000000"/>
                   </a:solidFill>
@@ -3974,7 +3974,7 @@
             </a:ln>
             <a:extLst>
               <a:ext uri="{91240B29-F687-4f45-9708-019B960494DF}">
-                <a14:hiddenLine xmlns="" xmlns:a14="http://schemas.microsoft.com/office/drawing/2010/main" w="9525">
+                <a14:hiddenLine xmlns:a14="http://schemas.microsoft.com/office/drawing/2010/main" xmlns="" w="9525">
                   <a:solidFill>
                     <a:srgbClr val="000000"/>
                   </a:solidFill>
@@ -4094,7 +4094,7 @@
             </a:ln>
             <a:extLst>
               <a:ext uri="{91240B29-F687-4f45-9708-019B960494DF}">
-                <a14:hiddenLine xmlns="" xmlns:a14="http://schemas.microsoft.com/office/drawing/2010/main" w="9525">
+                <a14:hiddenLine xmlns:a14="http://schemas.microsoft.com/office/drawing/2010/main" xmlns="" w="9525">
                   <a:solidFill>
                     <a:srgbClr val="000000"/>
                   </a:solidFill>
@@ -4162,7 +4162,7 @@
             </a:ln>
             <a:extLst>
               <a:ext uri="{91240B29-F687-4f45-9708-019B960494DF}">
-                <a14:hiddenLine xmlns="" xmlns:a14="http://schemas.microsoft.com/office/drawing/2010/main" w="9525">
+                <a14:hiddenLine xmlns:a14="http://schemas.microsoft.com/office/drawing/2010/main" xmlns="" w="9525">
                   <a:solidFill>
                     <a:srgbClr val="000000"/>
                   </a:solidFill>
@@ -4252,7 +4252,7 @@
             </a:ln>
             <a:extLst>
               <a:ext uri="{91240B29-F687-4f45-9708-019B960494DF}">
-                <a14:hiddenLine xmlns="" xmlns:a14="http://schemas.microsoft.com/office/drawing/2010/main" w="9525">
+                <a14:hiddenLine xmlns:a14="http://schemas.microsoft.com/office/drawing/2010/main" xmlns="" w="9525">
                   <a:solidFill>
                     <a:srgbClr val="000000"/>
                   </a:solidFill>
@@ -4392,7 +4392,7 @@
           <a:p>
             <a:fld id="{48A87A34-81AB-432B-8DAE-1953F412C126}" type="datetimeFigureOut">
               <a:rPr lang="en-US" dirty="0"/>
-              <a:t>05-Jun-18</a:t>
+              <a:t>09-Jun-18</a:t>
             </a:fld>
             <a:endParaRPr lang="en-US" dirty="0"/>
           </a:p>
@@ -4654,7 +4654,7 @@
           <a:p>
             <a:fld id="{48A87A34-81AB-432B-8DAE-1953F412C126}" type="datetimeFigureOut">
               <a:rPr lang="en-US" dirty="0"/>
-              <a:t>05-Jun-18</a:t>
+              <a:t>09-Jun-18</a:t>
             </a:fld>
             <a:endParaRPr lang="en-US" dirty="0"/>
           </a:p>
@@ -4845,7 +4845,7 @@
           <a:p>
             <a:fld id="{48A87A34-81AB-432B-8DAE-1953F412C126}" type="datetimeFigureOut">
               <a:rPr lang="en-US" dirty="0"/>
-              <a:t>05-Jun-18</a:t>
+              <a:t>09-Jun-18</a:t>
             </a:fld>
             <a:endParaRPr lang="en-US" dirty="0"/>
           </a:p>
@@ -5103,7 +5103,7 @@
           <a:p>
             <a:fld id="{48A87A34-81AB-432B-8DAE-1953F412C126}" type="datetimeFigureOut">
               <a:rPr lang="en-US" dirty="0"/>
-              <a:t>05-Jun-18</a:t>
+              <a:t>09-Jun-18</a:t>
             </a:fld>
             <a:endParaRPr lang="en-US" dirty="0"/>
           </a:p>
@@ -5532,7 +5532,7 @@
           <a:p>
             <a:fld id="{48A87A34-81AB-432B-8DAE-1953F412C126}" type="datetimeFigureOut">
               <a:rPr lang="en-US" dirty="0"/>
-              <a:t>05-Jun-18</a:t>
+              <a:t>09-Jun-18</a:t>
             </a:fld>
             <a:endParaRPr lang="en-US" dirty="0"/>
           </a:p>
@@ -6073,7 +6073,7 @@
           <a:p>
             <a:fld id="{48A87A34-81AB-432B-8DAE-1953F412C126}" type="datetimeFigureOut">
               <a:rPr lang="en-US" dirty="0"/>
-              <a:t>05-Jun-18</a:t>
+              <a:t>09-Jun-18</a:t>
             </a:fld>
             <a:endParaRPr lang="en-US" dirty="0"/>
           </a:p>
@@ -6788,7 +6788,7 @@
           <a:p>
             <a:fld id="{48A87A34-81AB-432B-8DAE-1953F412C126}" type="datetimeFigureOut">
               <a:rPr lang="en-US" dirty="0"/>
-              <a:t>05-Jun-18</a:t>
+              <a:t>09-Jun-18</a:t>
             </a:fld>
             <a:endParaRPr lang="en-US" dirty="0"/>
           </a:p>
@@ -6953,7 +6953,7 @@
           <a:p>
             <a:fld id="{48A87A34-81AB-432B-8DAE-1953F412C126}" type="datetimeFigureOut">
               <a:rPr lang="en-US" dirty="0"/>
-              <a:t>05-Jun-18</a:t>
+              <a:t>09-Jun-18</a:t>
             </a:fld>
             <a:endParaRPr lang="en-US" dirty="0"/>
           </a:p>
@@ -7128,7 +7128,7 @@
           <a:p>
             <a:fld id="{48A87A34-81AB-432B-8DAE-1953F412C126}" type="datetimeFigureOut">
               <a:rPr lang="en-US" dirty="0"/>
-              <a:t>05-Jun-18</a:t>
+              <a:t>09-Jun-18</a:t>
             </a:fld>
             <a:endParaRPr lang="en-US" dirty="0"/>
           </a:p>
@@ -7293,7 +7293,7 @@
           <a:p>
             <a:fld id="{48A87A34-81AB-432B-8DAE-1953F412C126}" type="datetimeFigureOut">
               <a:rPr lang="en-US" dirty="0"/>
-              <a:t>05-Jun-18</a:t>
+              <a:t>09-Jun-18</a:t>
             </a:fld>
             <a:endParaRPr lang="en-US" dirty="0"/>
           </a:p>
@@ -7538,7 +7538,7 @@
           <a:p>
             <a:fld id="{48A87A34-81AB-432B-8DAE-1953F412C126}" type="datetimeFigureOut">
               <a:rPr lang="en-US" dirty="0"/>
-              <a:t>05-Jun-18</a:t>
+              <a:t>09-Jun-18</a:t>
             </a:fld>
             <a:endParaRPr lang="en-US" dirty="0"/>
           </a:p>
@@ -7765,7 +7765,7 @@
           <a:p>
             <a:fld id="{48A87A34-81AB-432B-8DAE-1953F412C126}" type="datetimeFigureOut">
               <a:rPr lang="en-US" dirty="0"/>
-              <a:t>05-Jun-18</a:t>
+              <a:t>09-Jun-18</a:t>
             </a:fld>
             <a:endParaRPr lang="en-US" dirty="0"/>
           </a:p>
@@ -8141,7 +8141,7 @@
           <a:p>
             <a:fld id="{48A87A34-81AB-432B-8DAE-1953F412C126}" type="datetimeFigureOut">
               <a:rPr lang="en-US" dirty="0"/>
-              <a:t>05-Jun-18</a:t>
+              <a:t>09-Jun-18</a:t>
             </a:fld>
             <a:endParaRPr lang="en-US" dirty="0"/>
           </a:p>
@@ -8254,7 +8254,7 @@
           <a:p>
             <a:fld id="{48A87A34-81AB-432B-8DAE-1953F412C126}" type="datetimeFigureOut">
               <a:rPr lang="en-US" dirty="0"/>
-              <a:t>05-Jun-18</a:t>
+              <a:t>09-Jun-18</a:t>
             </a:fld>
             <a:endParaRPr lang="en-US" dirty="0"/>
           </a:p>
@@ -8344,7 +8344,7 @@
           <a:p>
             <a:fld id="{48A87A34-81AB-432B-8DAE-1953F412C126}" type="datetimeFigureOut">
               <a:rPr lang="en-US" dirty="0"/>
-              <a:t>05-Jun-18</a:t>
+              <a:t>09-Jun-18</a:t>
             </a:fld>
             <a:endParaRPr lang="en-US" dirty="0"/>
           </a:p>
@@ -8588,7 +8588,7 @@
           <a:p>
             <a:fld id="{48A87A34-81AB-432B-8DAE-1953F412C126}" type="datetimeFigureOut">
               <a:rPr lang="en-US" dirty="0"/>
-              <a:t>05-Jun-18</a:t>
+              <a:t>09-Jun-18</a:t>
             </a:fld>
             <a:endParaRPr lang="en-US" dirty="0"/>
           </a:p>
@@ -8863,7 +8863,7 @@
           <a:p>
             <a:fld id="{48A87A34-81AB-432B-8DAE-1953F412C126}" type="datetimeFigureOut">
               <a:rPr lang="en-US" dirty="0"/>
-              <a:t>05-Jun-18</a:t>
+              <a:t>09-Jun-18</a:t>
             </a:fld>
             <a:endParaRPr lang="en-US" dirty="0"/>
           </a:p>
@@ -8974,7 +8974,7 @@
           <a:noFill/>
           <a:extLst>
             <a:ext uri="{909E8E84-426E-40dd-AFC4-6F175D3DCCD1}">
-              <a14:hiddenFill xmlns="" xmlns:a14="http://schemas.microsoft.com/office/drawing/2010/main">
+              <a14:hiddenFill xmlns:a14="http://schemas.microsoft.com/office/drawing/2010/main" xmlns="">
                 <a:solidFill>
                   <a:srgbClr val="FFFFFF"/>
                 </a:solidFill>
@@ -9048,7 +9048,7 @@
               </a:ln>
               <a:extLst>
                 <a:ext uri="{91240B29-F687-4f45-9708-019B960494DF}">
-                  <a14:hiddenLine xmlns="" xmlns:a14="http://schemas.microsoft.com/office/drawing/2010/main" w="9525">
+                  <a14:hiddenLine xmlns:a14="http://schemas.microsoft.com/office/drawing/2010/main" xmlns="" w="9525">
                     <a:solidFill>
                       <a:srgbClr val="000000"/>
                     </a:solidFill>
@@ -9138,7 +9138,7 @@
               </a:ln>
               <a:extLst>
                 <a:ext uri="{91240B29-F687-4f45-9708-019B960494DF}">
-                  <a14:hiddenLine xmlns="" xmlns:a14="http://schemas.microsoft.com/office/drawing/2010/main" w="9525">
+                  <a14:hiddenLine xmlns:a14="http://schemas.microsoft.com/office/drawing/2010/main" xmlns="" w="9525">
                     <a:solidFill>
                       <a:srgbClr val="000000"/>
                     </a:solidFill>
@@ -9228,7 +9228,7 @@
               </a:ln>
               <a:extLst>
                 <a:ext uri="{91240B29-F687-4f45-9708-019B960494DF}">
-                  <a14:hiddenLine xmlns="" xmlns:a14="http://schemas.microsoft.com/office/drawing/2010/main" w="9525">
+                  <a14:hiddenLine xmlns:a14="http://schemas.microsoft.com/office/drawing/2010/main" xmlns="" w="9525">
                     <a:solidFill>
                       <a:srgbClr val="000000"/>
                     </a:solidFill>
@@ -9290,7 +9290,7 @@
               </a:ln>
               <a:extLst>
                 <a:ext uri="{91240B29-F687-4f45-9708-019B960494DF}">
-                  <a14:hiddenLine xmlns="" xmlns:a14="http://schemas.microsoft.com/office/drawing/2010/main" w="9525">
+                  <a14:hiddenLine xmlns:a14="http://schemas.microsoft.com/office/drawing/2010/main" xmlns="" w="9525">
                     <a:solidFill>
                       <a:srgbClr val="000000"/>
                     </a:solidFill>
@@ -9380,7 +9380,7 @@
               </a:ln>
               <a:extLst>
                 <a:ext uri="{91240B29-F687-4f45-9708-019B960494DF}">
-                  <a14:hiddenLine xmlns="" xmlns:a14="http://schemas.microsoft.com/office/drawing/2010/main" w="9525">
+                  <a14:hiddenLine xmlns:a14="http://schemas.microsoft.com/office/drawing/2010/main" xmlns="" w="9525">
                     <a:solidFill>
                       <a:srgbClr val="000000"/>
                     </a:solidFill>
@@ -9442,7 +9442,7 @@
               </a:ln>
               <a:extLst>
                 <a:ext uri="{91240B29-F687-4f45-9708-019B960494DF}">
-                  <a14:hiddenLine xmlns="" xmlns:a14="http://schemas.microsoft.com/office/drawing/2010/main" w="9525">
+                  <a14:hiddenLine xmlns:a14="http://schemas.microsoft.com/office/drawing/2010/main" xmlns="" w="9525">
                     <a:solidFill>
                       <a:srgbClr val="000000"/>
                     </a:solidFill>
@@ -9504,7 +9504,7 @@
               </a:ln>
               <a:extLst>
                 <a:ext uri="{91240B29-F687-4f45-9708-019B960494DF}">
-                  <a14:hiddenLine xmlns="" xmlns:a14="http://schemas.microsoft.com/office/drawing/2010/main" w="9525">
+                  <a14:hiddenLine xmlns:a14="http://schemas.microsoft.com/office/drawing/2010/main" xmlns="" w="9525">
                     <a:solidFill>
                       <a:srgbClr val="000000"/>
                     </a:solidFill>
@@ -9594,7 +9594,7 @@
               </a:ln>
               <a:extLst>
                 <a:ext uri="{91240B29-F687-4f45-9708-019B960494DF}">
-                  <a14:hiddenLine xmlns="" xmlns:a14="http://schemas.microsoft.com/office/drawing/2010/main" w="9525">
+                  <a14:hiddenLine xmlns:a14="http://schemas.microsoft.com/office/drawing/2010/main" xmlns="" w="9525">
                     <a:solidFill>
                       <a:srgbClr val="000000"/>
                     </a:solidFill>
@@ -9684,7 +9684,7 @@
               </a:ln>
               <a:extLst>
                 <a:ext uri="{91240B29-F687-4f45-9708-019B960494DF}">
-                  <a14:hiddenLine xmlns="" xmlns:a14="http://schemas.microsoft.com/office/drawing/2010/main" w="9525">
+                  <a14:hiddenLine xmlns:a14="http://schemas.microsoft.com/office/drawing/2010/main" xmlns="" w="9525">
                     <a:solidFill>
                       <a:srgbClr val="000000"/>
                     </a:solidFill>
@@ -9746,7 +9746,7 @@
               </a:ln>
               <a:extLst>
                 <a:ext uri="{91240B29-F687-4f45-9708-019B960494DF}">
-                  <a14:hiddenLine xmlns="" xmlns:a14="http://schemas.microsoft.com/office/drawing/2010/main" w="9525">
+                  <a14:hiddenLine xmlns:a14="http://schemas.microsoft.com/office/drawing/2010/main" xmlns="" w="9525">
                     <a:solidFill>
                       <a:srgbClr val="000000"/>
                     </a:solidFill>
@@ -9856,7 +9856,7 @@
               </a:ln>
               <a:extLst>
                 <a:ext uri="{91240B29-F687-4f45-9708-019B960494DF}">
-                  <a14:hiddenLine xmlns="" xmlns:a14="http://schemas.microsoft.com/office/drawing/2010/main" w="9525">
+                  <a14:hiddenLine xmlns:a14="http://schemas.microsoft.com/office/drawing/2010/main" xmlns="" w="9525">
                     <a:solidFill>
                       <a:srgbClr val="000000"/>
                     </a:solidFill>
@@ -9940,7 +9940,7 @@
               </a:ln>
               <a:extLst>
                 <a:ext uri="{91240B29-F687-4f45-9708-019B960494DF}">
-                  <a14:hiddenLine xmlns="" xmlns:a14="http://schemas.microsoft.com/office/drawing/2010/main" w="9525">
+                  <a14:hiddenLine xmlns:a14="http://schemas.microsoft.com/office/drawing/2010/main" xmlns="" w="9525">
                     <a:solidFill>
                       <a:srgbClr val="000000"/>
                     </a:solidFill>
@@ -10002,7 +10002,7 @@
               </a:ln>
               <a:extLst>
                 <a:ext uri="{91240B29-F687-4f45-9708-019B960494DF}">
-                  <a14:hiddenLine xmlns="" xmlns:a14="http://schemas.microsoft.com/office/drawing/2010/main" w="9525">
+                  <a14:hiddenLine xmlns:a14="http://schemas.microsoft.com/office/drawing/2010/main" xmlns="" w="9525">
                     <a:solidFill>
                       <a:srgbClr val="000000"/>
                     </a:solidFill>
@@ -10064,7 +10064,7 @@
               </a:ln>
               <a:extLst>
                 <a:ext uri="{91240B29-F687-4f45-9708-019B960494DF}">
-                  <a14:hiddenLine xmlns="" xmlns:a14="http://schemas.microsoft.com/office/drawing/2010/main" w="9525">
+                  <a14:hiddenLine xmlns:a14="http://schemas.microsoft.com/office/drawing/2010/main" xmlns="" w="9525">
                     <a:solidFill>
                       <a:srgbClr val="000000"/>
                     </a:solidFill>
@@ -10154,7 +10154,7 @@
               </a:ln>
               <a:extLst>
                 <a:ext uri="{91240B29-F687-4f45-9708-019B960494DF}">
-                  <a14:hiddenLine xmlns="" xmlns:a14="http://schemas.microsoft.com/office/drawing/2010/main" w="9525">
+                  <a14:hiddenLine xmlns:a14="http://schemas.microsoft.com/office/drawing/2010/main" xmlns="" w="9525">
                     <a:solidFill>
                       <a:srgbClr val="000000"/>
                     </a:solidFill>
@@ -10188,7 +10188,7 @@
               </a:ln>
               <a:extLst>
                 <a:ext uri="{91240B29-F687-4f45-9708-019B960494DF}">
-                  <a14:hiddenLine xmlns="" xmlns:a14="http://schemas.microsoft.com/office/drawing/2010/main" w="9525">
+                  <a14:hiddenLine xmlns:a14="http://schemas.microsoft.com/office/drawing/2010/main" xmlns="" w="9525">
                     <a:solidFill>
                       <a:srgbClr val="000000"/>
                     </a:solidFill>
@@ -10253,7 +10253,7 @@
               </a:ln>
               <a:extLst>
                 <a:ext uri="{91240B29-F687-4f45-9708-019B960494DF}">
-                  <a14:hiddenLine xmlns="" xmlns:a14="http://schemas.microsoft.com/office/drawing/2010/main" w="9525">
+                  <a14:hiddenLine xmlns:a14="http://schemas.microsoft.com/office/drawing/2010/main" xmlns="" w="9525">
                     <a:solidFill>
                       <a:srgbClr val="000000"/>
                     </a:solidFill>
@@ -10343,7 +10343,7 @@
               </a:ln>
               <a:extLst>
                 <a:ext uri="{91240B29-F687-4f45-9708-019B960494DF}">
-                  <a14:hiddenLine xmlns="" xmlns:a14="http://schemas.microsoft.com/office/drawing/2010/main" w="9525">
+                  <a14:hiddenLine xmlns:a14="http://schemas.microsoft.com/office/drawing/2010/main" xmlns="" w="9525">
                     <a:solidFill>
                       <a:srgbClr val="000000"/>
                     </a:solidFill>
@@ -10405,7 +10405,7 @@
               </a:ln>
               <a:extLst>
                 <a:ext uri="{91240B29-F687-4f45-9708-019B960494DF}">
-                  <a14:hiddenLine xmlns="" xmlns:a14="http://schemas.microsoft.com/office/drawing/2010/main" w="9525">
+                  <a14:hiddenLine xmlns:a14="http://schemas.microsoft.com/office/drawing/2010/main" xmlns="" w="9525">
                     <a:solidFill>
                       <a:srgbClr val="000000"/>
                     </a:solidFill>
@@ -10495,7 +10495,7 @@
               </a:ln>
               <a:extLst>
                 <a:ext uri="{91240B29-F687-4f45-9708-019B960494DF}">
-                  <a14:hiddenLine xmlns="" xmlns:a14="http://schemas.microsoft.com/office/drawing/2010/main" w="9525">
+                  <a14:hiddenLine xmlns:a14="http://schemas.microsoft.com/office/drawing/2010/main" xmlns="" w="9525">
                     <a:solidFill>
                       <a:srgbClr val="000000"/>
                     </a:solidFill>
@@ -10560,7 +10560,7 @@
               </a:ln>
               <a:extLst>
                 <a:ext uri="{91240B29-F687-4f45-9708-019B960494DF}">
-                  <a14:hiddenLine xmlns="" xmlns:a14="http://schemas.microsoft.com/office/drawing/2010/main" w="9525">
+                  <a14:hiddenLine xmlns:a14="http://schemas.microsoft.com/office/drawing/2010/main" xmlns="" w="9525">
                     <a:solidFill>
                       <a:srgbClr val="000000"/>
                     </a:solidFill>
@@ -10622,7 +10622,7 @@
               </a:ln>
               <a:extLst>
                 <a:ext uri="{91240B29-F687-4f45-9708-019B960494DF}">
-                  <a14:hiddenLine xmlns="" xmlns:a14="http://schemas.microsoft.com/office/drawing/2010/main" w="9525">
+                  <a14:hiddenLine xmlns:a14="http://schemas.microsoft.com/office/drawing/2010/main" xmlns="" w="9525">
                     <a:solidFill>
                       <a:srgbClr val="000000"/>
                     </a:solidFill>
@@ -10712,7 +10712,7 @@
               </a:ln>
               <a:extLst>
                 <a:ext uri="{91240B29-F687-4f45-9708-019B960494DF}">
-                  <a14:hiddenLine xmlns="" xmlns:a14="http://schemas.microsoft.com/office/drawing/2010/main" w="9525">
+                  <a14:hiddenLine xmlns:a14="http://schemas.microsoft.com/office/drawing/2010/main" xmlns="" w="9525">
                     <a:solidFill>
                       <a:srgbClr val="000000"/>
                     </a:solidFill>
@@ -10802,7 +10802,7 @@
               </a:ln>
               <a:extLst>
                 <a:ext uri="{91240B29-F687-4f45-9708-019B960494DF}">
-                  <a14:hiddenLine xmlns="" xmlns:a14="http://schemas.microsoft.com/office/drawing/2010/main" w="9525">
+                  <a14:hiddenLine xmlns:a14="http://schemas.microsoft.com/office/drawing/2010/main" xmlns="" w="9525">
                     <a:solidFill>
                       <a:srgbClr val="000000"/>
                     </a:solidFill>
@@ -10867,7 +10867,7 @@
               </a:ln>
               <a:extLst>
                 <a:ext uri="{91240B29-F687-4f45-9708-019B960494DF}">
-                  <a14:hiddenLine xmlns="" xmlns:a14="http://schemas.microsoft.com/office/drawing/2010/main" w="9525">
+                  <a14:hiddenLine xmlns:a14="http://schemas.microsoft.com/office/drawing/2010/main" xmlns="" w="9525">
                     <a:solidFill>
                       <a:srgbClr val="000000"/>
                     </a:solidFill>
@@ -10987,7 +10987,7 @@
               </a:ln>
               <a:extLst>
                 <a:ext uri="{91240B29-F687-4f45-9708-019B960494DF}">
-                  <a14:hiddenLine xmlns="" xmlns:a14="http://schemas.microsoft.com/office/drawing/2010/main" w="9525">
+                  <a14:hiddenLine xmlns:a14="http://schemas.microsoft.com/office/drawing/2010/main" xmlns="" w="9525">
                     <a:solidFill>
                       <a:srgbClr val="000000"/>
                     </a:solidFill>
@@ -11085,7 +11085,7 @@
               </a:ln>
               <a:extLst>
                 <a:ext uri="{91240B29-F687-4f45-9708-019B960494DF}">
-                  <a14:hiddenLine xmlns="" xmlns:a14="http://schemas.microsoft.com/office/drawing/2010/main" w="9525">
+                  <a14:hiddenLine xmlns:a14="http://schemas.microsoft.com/office/drawing/2010/main" xmlns="" w="9525">
                     <a:solidFill>
                       <a:srgbClr val="000000"/>
                     </a:solidFill>
@@ -11200,7 +11200,7 @@
               </a:ln>
               <a:extLst>
                 <a:ext uri="{91240B29-F687-4f45-9708-019B960494DF}">
-                  <a14:hiddenLine xmlns="" xmlns:a14="http://schemas.microsoft.com/office/drawing/2010/main" w="9525">
+                  <a14:hiddenLine xmlns:a14="http://schemas.microsoft.com/office/drawing/2010/main" xmlns="" w="9525">
                     <a:solidFill>
                       <a:srgbClr val="000000"/>
                     </a:solidFill>
@@ -11290,7 +11290,7 @@
               </a:ln>
               <a:extLst>
                 <a:ext uri="{91240B29-F687-4f45-9708-019B960494DF}">
-                  <a14:hiddenLine xmlns="" xmlns:a14="http://schemas.microsoft.com/office/drawing/2010/main" w="9525">
+                  <a14:hiddenLine xmlns:a14="http://schemas.microsoft.com/office/drawing/2010/main" xmlns="" w="9525">
                     <a:solidFill>
                       <a:srgbClr val="000000"/>
                     </a:solidFill>
@@ -11355,7 +11355,7 @@
               </a:ln>
               <a:extLst>
                 <a:ext uri="{91240B29-F687-4f45-9708-019B960494DF}">
-                  <a14:hiddenLine xmlns="" xmlns:a14="http://schemas.microsoft.com/office/drawing/2010/main" w="9525">
+                  <a14:hiddenLine xmlns:a14="http://schemas.microsoft.com/office/drawing/2010/main" xmlns="" w="9525">
                     <a:solidFill>
                       <a:srgbClr val="000000"/>
                     </a:solidFill>
@@ -11445,7 +11445,7 @@
               </a:ln>
               <a:extLst>
                 <a:ext uri="{91240B29-F687-4f45-9708-019B960494DF}">
-                  <a14:hiddenLine xmlns="" xmlns:a14="http://schemas.microsoft.com/office/drawing/2010/main" w="9525">
+                  <a14:hiddenLine xmlns:a14="http://schemas.microsoft.com/office/drawing/2010/main" xmlns="" w="9525">
                     <a:solidFill>
                       <a:srgbClr val="000000"/>
                     </a:solidFill>
@@ -11513,7 +11513,7 @@
               </a:ln>
               <a:extLst>
                 <a:ext uri="{91240B29-F687-4f45-9708-019B960494DF}">
-                  <a14:hiddenLine xmlns="" xmlns:a14="http://schemas.microsoft.com/office/drawing/2010/main" w="9525">
+                  <a14:hiddenLine xmlns:a14="http://schemas.microsoft.com/office/drawing/2010/main" xmlns="" w="9525">
                     <a:solidFill>
                       <a:srgbClr val="000000"/>
                     </a:solidFill>
@@ -11603,7 +11603,7 @@
               </a:ln>
               <a:extLst>
                 <a:ext uri="{91240B29-F687-4f45-9708-019B960494DF}">
-                  <a14:hiddenLine xmlns="" xmlns:a14="http://schemas.microsoft.com/office/drawing/2010/main" w="9525">
+                  <a14:hiddenLine xmlns:a14="http://schemas.microsoft.com/office/drawing/2010/main" xmlns="" w="9525">
                     <a:solidFill>
                       <a:srgbClr val="000000"/>
                     </a:solidFill>
@@ -11671,7 +11671,7 @@
               </a:ln>
               <a:extLst>
                 <a:ext uri="{91240B29-F687-4f45-9708-019B960494DF}">
-                  <a14:hiddenLine xmlns="" xmlns:a14="http://schemas.microsoft.com/office/drawing/2010/main" w="9525">
+                  <a14:hiddenLine xmlns:a14="http://schemas.microsoft.com/office/drawing/2010/main" xmlns="" w="9525">
                     <a:solidFill>
                       <a:srgbClr val="000000"/>
                     </a:solidFill>
@@ -11761,7 +11761,7 @@
               </a:ln>
               <a:extLst>
                 <a:ext uri="{91240B29-F687-4f45-9708-019B960494DF}">
-                  <a14:hiddenLine xmlns="" xmlns:a14="http://schemas.microsoft.com/office/drawing/2010/main" w="9525">
+                  <a14:hiddenLine xmlns:a14="http://schemas.microsoft.com/office/drawing/2010/main" xmlns="" w="9525">
                     <a:solidFill>
                       <a:srgbClr val="000000"/>
                     </a:solidFill>
@@ -11795,7 +11795,7 @@
               </a:ln>
               <a:extLst>
                 <a:ext uri="{91240B29-F687-4f45-9708-019B960494DF}">
-                  <a14:hiddenLine xmlns="" xmlns:a14="http://schemas.microsoft.com/office/drawing/2010/main" w="9525">
+                  <a14:hiddenLine xmlns:a14="http://schemas.microsoft.com/office/drawing/2010/main" xmlns="" w="9525">
                     <a:solidFill>
                       <a:srgbClr val="000000"/>
                     </a:solidFill>
@@ -11936,7 +11936,7 @@
             <a:fld id="{48A87A34-81AB-432B-8DAE-1953F412C126}" type="datetimeFigureOut">
               <a:rPr lang="en-US" dirty="0"/>
               <a:pPr/>
-              <a:t>05-Jun-18</a:t>
+              <a:t>09-Jun-18</a:t>
             </a:fld>
             <a:endParaRPr lang="en-US" dirty="0"/>
           </a:p>
